--- a/eecs-poster-session-2012.pptx
+++ b/eecs-poster-session-2012.pptx
@@ -3400,8 +3400,8 @@
         </p:nvSpPr>
         <p:spPr>
           <a:xfrm>
-            <a:off x="6949440" y="4114800"/>
-            <a:ext cx="2525040" cy="2583000"/>
+            <a:off x="2834640" y="3451680"/>
+            <a:ext cx="2823840" cy="3308760"/>
           </a:xfrm>
           <a:prstGeom prst="rect">
             <a:avLst/>
@@ -3424,8 +3424,32 @@
         </p:nvSpPr>
         <p:spPr>
           <a:xfrm>
+            <a:off x="5761440" y="4651200"/>
+            <a:ext cx="3679560" cy="2115360"/>
+          </a:xfrm>
+          <a:prstGeom prst="rect">
+            <a:avLst/>
+          </a:prstGeom>
+          <a:solidFill>
+            <a:srgbClr val="e9ffcc"/>
+          </a:solidFill>
+          <a:ln>
+            <a:solidFill>
+              <a:srgbClr val="808080"/>
+            </a:solidFill>
+          </a:ln>
+        </p:spPr>
+      </p:sp>
+      <p:sp>
+        <p:nvSpPr>
+          <p:cNvPr id="94" name="CustomShape 3"/>
+          <p:cNvSpPr/>
+          <p:nvPr/>
+        </p:nvSpPr>
+        <p:spPr>
+          <a:xfrm>
             <a:off x="137160" y="159840"/>
-            <a:ext cx="2856960" cy="1486080"/>
+            <a:ext cx="2606040" cy="1499760"/>
           </a:xfrm>
           <a:prstGeom prst="rect">
             <a:avLst/>
@@ -3442,14 +3466,14 @@
       </p:sp>
       <p:sp>
         <p:nvSpPr>
-          <p:cNvPr id="94" name="CustomShape 3"/>
+          <p:cNvPr id="95" name="CustomShape 4"/>
           <p:cNvSpPr/>
           <p:nvPr/>
         </p:nvSpPr>
         <p:spPr>
           <a:xfrm>
-            <a:off x="137160" y="1798920"/>
-            <a:ext cx="2856960" cy="4898520"/>
+            <a:off x="137160" y="1714320"/>
+            <a:ext cx="2606040" cy="5010840"/>
           </a:xfrm>
           <a:prstGeom prst="rect">
             <a:avLst/>
@@ -3466,14 +3490,14 @@
       </p:sp>
       <p:sp>
         <p:nvSpPr>
-          <p:cNvPr id="95" name="CustomShape 4"/>
+          <p:cNvPr id="96" name="CustomShape 5"/>
           <p:cNvSpPr/>
           <p:nvPr/>
         </p:nvSpPr>
         <p:spPr>
           <a:xfrm>
-            <a:off x="3142800" y="160200"/>
-            <a:ext cx="3663360" cy="6537600"/>
+            <a:off x="5770800" y="160200"/>
+            <a:ext cx="3663360" cy="4434480"/>
           </a:xfrm>
           <a:prstGeom prst="rect">
             <a:avLst/>
@@ -3490,14 +3514,14 @@
       </p:sp>
       <p:sp>
         <p:nvSpPr>
-          <p:cNvPr id="96" name="CustomShape 5"/>
+          <p:cNvPr id="97" name="CustomShape 6"/>
           <p:cNvSpPr/>
           <p:nvPr/>
         </p:nvSpPr>
         <p:spPr>
           <a:xfrm>
-            <a:off x="6949440" y="160200"/>
-            <a:ext cx="2525040" cy="3817440"/>
+            <a:off x="2834640" y="160200"/>
+            <a:ext cx="2823840" cy="3200040"/>
           </a:xfrm>
           <a:prstGeom prst="rect">
             <a:avLst/>
@@ -3514,44 +3538,44 @@
       </p:sp>
       <p:sp>
         <p:nvSpPr>
-          <p:cNvPr id="97" name="CustomShape 6"/>
-          <p:cNvSpPr/>
-          <p:nvPr/>
-        </p:nvSpPr>
-        <p:spPr>
-          <a:xfrm>
-            <a:off x="228600" y="251280"/>
-            <a:ext cx="2651400" cy="574560"/>
-          </a:xfrm>
-          <a:prstGeom prst="rect">
-            <a:avLst/>
-          </a:prstGeom>
-        </p:spPr>
-        <p:txBody>
-          <a:bodyPr bIns="45000" lIns="90000" rIns="90000" tIns="45000"/>
-          <a:p>
-            <a:pPr algn="ctr"/>
-            <a:r>
-              <a:rPr b="1" lang="en-US" sz="1700">
-                <a:solidFill>
-                  <a:srgbClr val="000080"/>
-                </a:solidFill>
-              </a:rPr>
-              <a:t>Shape Optimization of Toroidal Sweeps</a:t>
-            </a:r>
-            <a:endParaRPr/>
-          </a:p>
-        </p:txBody>
-      </p:sp>
-      <p:sp>
-        <p:nvSpPr>
           <p:cNvPr id="98" name="CustomShape 7"/>
           <p:cNvSpPr/>
           <p:nvPr/>
         </p:nvSpPr>
         <p:spPr>
           <a:xfrm>
-            <a:off x="365760" y="924120"/>
+            <a:off x="137160" y="205560"/>
+            <a:ext cx="2583000" cy="574560"/>
+          </a:xfrm>
+          <a:prstGeom prst="rect">
+            <a:avLst/>
+          </a:prstGeom>
+        </p:spPr>
+        <p:txBody>
+          <a:bodyPr bIns="45000" lIns="90000" rIns="90000" tIns="45000"/>
+          <a:p>
+            <a:pPr algn="ctr"/>
+            <a:r>
+              <a:rPr b="1" lang="en-US" sz="1700">
+                <a:solidFill>
+                  <a:srgbClr val="000080"/>
+                </a:solidFill>
+              </a:rPr>
+              <a:t>Shape Optimization of Toroidal Sweeps</a:t>
+            </a:r>
+            <a:endParaRPr/>
+          </a:p>
+        </p:txBody>
+      </p:sp>
+      <p:sp>
+        <p:nvSpPr>
+          <p:cNvPr id="99" name="CustomShape 8"/>
+          <p:cNvSpPr/>
+          <p:nvPr/>
+        </p:nvSpPr>
+        <p:spPr>
+          <a:xfrm>
+            <a:off x="228960" y="891360"/>
             <a:ext cx="2422800" cy="660240"/>
           </a:xfrm>
           <a:prstGeom prst="rect">
@@ -3588,73 +3612,14 @@
       </p:sp>
       <p:sp>
         <p:nvSpPr>
-          <p:cNvPr id="99" name="CustomShape 8"/>
-          <p:cNvSpPr/>
-          <p:nvPr/>
-        </p:nvSpPr>
-        <p:spPr>
-          <a:xfrm>
-            <a:off x="228600" y="1834920"/>
-            <a:ext cx="2651400" cy="841680"/>
-          </a:xfrm>
-          <a:prstGeom prst="rect">
-            <a:avLst/>
-          </a:prstGeom>
-        </p:spPr>
-        <p:txBody>
-          <a:bodyPr bIns="45000" lIns="90000" rIns="90000" tIns="45000"/>
-          <a:p>
-            <a:pPr algn="ctr"/>
-            <a:r>
-              <a:rPr b="1" lang="en-US" sz="1300">
-                <a:solidFill>
-                  <a:srgbClr val="000080"/>
-                </a:solidFill>
-              </a:rPr>
-              <a:t>Objective</a:t>
-            </a:r>
-            <a:endParaRPr/>
-          </a:p>
-          <a:p>
-            <a:pPr algn="ctr"/>
-            <a:endParaRPr/>
-          </a:p>
-          <a:p>
-            <a:pPr>
-              <a:buSzPct val="45000"/>
-              <a:buFont typeface="StarSymbol"/>
-              <a:buChar char=""/>
-            </a:pPr>
-            <a:r>
-              <a:rPr lang="en-US" sz="1000"/>
-              <a:t>Minimize energy of a curve incurred by bending and twisting</a:t>
-            </a:r>
-            <a:endParaRPr/>
-          </a:p>
-          <a:p>
-            <a:pPr>
-              <a:buSzPct val="45000"/>
-              <a:buFont typeface="StarSymbol"/>
-              <a:buChar char=""/>
-            </a:pPr>
-            <a:r>
-              <a:rPr lang="en-US" sz="1000"/>
-              <a:t>Evert a torus in a minimal energy fashion</a:t>
-            </a:r>
-            <a:endParaRPr/>
-          </a:p>
-        </p:txBody>
-      </p:sp>
-      <p:sp>
-        <p:nvSpPr>
           <p:cNvPr id="100" name="CustomShape 9"/>
           <p:cNvSpPr/>
           <p:nvPr/>
         </p:nvSpPr>
         <p:spPr>
           <a:xfrm>
-            <a:off x="228600" y="2771280"/>
-            <a:ext cx="2651400" cy="486360"/>
+            <a:off x="2834640" y="3451320"/>
+            <a:ext cx="2823840" cy="288360"/>
           </a:xfrm>
           <a:prstGeom prst="rect">
             <a:avLst/>
@@ -3667,7 +3632,7 @@
             <a:r>
               <a:rPr b="1" lang="en-US" sz="1300">
                 <a:solidFill>
-                  <a:srgbClr val="000080"/>
+                  <a:srgbClr val="99284c"/>
                 </a:solidFill>
               </a:rPr>
               <a:t>Trading Off Bending and Twisting</a:t>
@@ -3684,7 +3649,7 @@
         </p:nvSpPr>
         <p:spPr>
           <a:xfrm>
-            <a:off x="274320" y="4163400"/>
+            <a:off x="2968200" y="3766320"/>
             <a:ext cx="2583000" cy="347400"/>
           </a:xfrm>
           <a:prstGeom prst="rect">
@@ -3696,7 +3661,7 @@
           <a:p>
             <a:r>
               <a:rPr lang="en-US" sz="600"/>
-              <a:t>Sweeping out a curve in space causes start and end orientations to be mismatched. The amount of mismatch is the twist. Adding this amount back to gradually across the sweep matches up the endpoints.</a:t>
+              <a:t>Sweeping out a curve in space causes start and end orientations to be mismatched. The amount of mismatch is the twist. Rotating curve by this amount gradually across the sweep matches up the endpoints.</a:t>
             </a:r>
             <a:endParaRPr/>
           </a:p>
@@ -3710,7 +3675,7 @@
         </p:nvSpPr>
         <p:spPr>
           <a:xfrm>
-            <a:off x="323280" y="5391360"/>
+            <a:off x="2994480" y="5674320"/>
             <a:ext cx="1257480" cy="261720"/>
           </a:xfrm>
           <a:prstGeom prst="rect">
@@ -3722,7 +3687,7 @@
           <a:p>
             <a:r>
               <a:rPr lang="en-US" sz="600"/>
-              <a:t>A planar figure-8 with no twist, but more bending than a circle.</a:t>
+              <a:t>A planar figure-8 with no twist, but more bending than a circle</a:t>
             </a:r>
             <a:endParaRPr/>
           </a:p>
@@ -3736,7 +3701,7 @@
         </p:nvSpPr>
         <p:spPr>
           <a:xfrm>
-            <a:off x="1799640" y="5391360"/>
+            <a:off x="4270680" y="5688000"/>
             <a:ext cx="1257480" cy="176040"/>
           </a:xfrm>
           <a:prstGeom prst="rect">
@@ -3746,9 +3711,10 @@
         <p:txBody>
           <a:bodyPr bIns="45000" lIns="90000" rIns="90000" tIns="45000" wrap="none"/>
           <a:p>
+            <a:pPr algn="ctr"/>
             <a:r>
               <a:rPr lang="en-US" sz="600"/>
-              <a:t>Unfolding the figure-8.</a:t>
+              <a:t>Unfolding the figure-8</a:t>
             </a:r>
             <a:endParaRPr/>
           </a:p>
@@ -3762,8 +3728,8 @@
         </p:nvSpPr>
         <p:spPr>
           <a:xfrm>
-            <a:off x="789120" y="6328800"/>
-            <a:ext cx="1495440" cy="261720"/>
+            <a:off x="2987640" y="6298560"/>
+            <a:ext cx="1169280" cy="347400"/>
           </a:xfrm>
           <a:prstGeom prst="rect">
             <a:avLst/>
@@ -3772,10 +3738,10 @@
         <p:txBody>
           <a:bodyPr bIns="45000" lIns="90000" rIns="90000" tIns="45000" wrap="none"/>
           <a:p>
-            <a:pPr algn="ctr"/>
+            <a:pPr algn="r"/>
             <a:r>
               <a:rPr lang="en-US" sz="600"/>
-              <a:t>Fully unfolded into a circle with 360° of accumulated twist from the unfolding.</a:t>
+              <a:t>Fully unfolded into a circle with 360° of accumulated twist from the unfolding</a:t>
             </a:r>
             <a:endParaRPr/>
           </a:p>
@@ -3795,7 +3761,7 @@
         </p:blipFill>
         <p:spPr>
           <a:xfrm>
-            <a:off x="274320" y="3319200"/>
+            <a:off x="2994480" y="4113360"/>
             <a:ext cx="1234440" cy="768240"/>
           </a:xfrm>
           <a:prstGeom prst="rect">
@@ -3817,7 +3783,7 @@
         </p:blipFill>
         <p:spPr>
           <a:xfrm>
-            <a:off x="1645920" y="3319200"/>
+            <a:off x="4294080" y="4113360"/>
             <a:ext cx="1234440" cy="768240"/>
           </a:xfrm>
           <a:prstGeom prst="rect">
@@ -3839,7 +3805,7 @@
         </p:blipFill>
         <p:spPr>
           <a:xfrm>
-            <a:off x="274320" y="4754880"/>
+            <a:off x="2991240" y="5072040"/>
             <a:ext cx="1234440" cy="612720"/>
           </a:xfrm>
           <a:prstGeom prst="rect">
@@ -3861,7 +3827,7 @@
         </p:blipFill>
         <p:spPr>
           <a:xfrm>
-            <a:off x="1645920" y="4754880"/>
+            <a:off x="4293720" y="5067360"/>
             <a:ext cx="1234440" cy="612720"/>
           </a:xfrm>
           <a:prstGeom prst="rect">
@@ -3883,7 +3849,7 @@
         </p:blipFill>
         <p:spPr>
           <a:xfrm>
-            <a:off x="914400" y="5738400"/>
+            <a:off x="4143240" y="6018480"/>
             <a:ext cx="1234440" cy="612720"/>
           </a:xfrm>
           <a:prstGeom prst="rect">
@@ -3899,8 +3865,8 @@
         </p:nvSpPr>
         <p:spPr>
           <a:xfrm>
-            <a:off x="7040880" y="251280"/>
-            <a:ext cx="2354400" cy="1082160"/>
+            <a:off x="2834640" y="179280"/>
+            <a:ext cx="2787840" cy="983160"/>
           </a:xfrm>
           <a:prstGeom prst="rect">
             <a:avLst/>
@@ -3931,7 +3897,7 @@
             </a:pPr>
             <a:r>
               <a:rPr lang="en-US" sz="700"/>
-              <a:t>Surfaces represented as curves with cross-sections</a:t>
+              <a:t>Surfaces represented as polylines with circular cross-sections</a:t>
             </a:r>
             <a:endParaRPr/>
           </a:p>
@@ -3955,7 +3921,7 @@
             </a:pPr>
             <a:r>
               <a:rPr lang="en-US" sz="700"/>
-              <a:t>Vary one parameter, see if energy decreases</a:t>
+              <a:t>Vary the coordinates of each control point (parameters), revert change  if energy does not decrease</a:t>
             </a:r>
             <a:endParaRPr/>
           </a:p>
@@ -3967,7 +3933,7 @@
             </a:pPr>
             <a:r>
               <a:rPr lang="en-US" sz="700"/>
-              <a:t>Change all parameters according to amount by which energy decreases</a:t>
+              <a:t>Iterate, then stop when no decrease possible</a:t>
             </a:r>
             <a:endParaRPr/>
           </a:p>
@@ -4001,8 +3967,8 @@
         </p:nvSpPr>
         <p:spPr>
           <a:xfrm>
-            <a:off x="7040880" y="4211280"/>
-            <a:ext cx="2354400" cy="1082880"/>
+            <a:off x="5761440" y="4679280"/>
+            <a:ext cx="3611160" cy="744480"/>
           </a:xfrm>
           <a:prstGeom prst="rect">
             <a:avLst/>
@@ -4015,7 +3981,7 @@
             <a:r>
               <a:rPr b="1" lang="en-US" sz="1300">
                 <a:solidFill>
-                  <a:srgbClr val="99284c"/>
+                  <a:srgbClr val="314004"/>
                 </a:solidFill>
               </a:rPr>
               <a:t>Future Work</a:t>
@@ -4032,7 +3998,7 @@
               <a:buChar char=""/>
             </a:pPr>
             <a:r>
-              <a:rPr lang="en-US" sz="1000"/>
+              <a:rPr lang="en-US" sz="800"/>
               <a:t>Fully gridded parameterization of surface</a:t>
             </a:r>
             <a:endParaRPr/>
@@ -4044,8 +4010,12 @@
               <a:buChar char=""/>
             </a:pPr>
             <a:r>
+              <a:rPr lang="en-US" sz="800"/>
+              <a:t>Requires many control points, so many parameters over which to optimize</a:t>
+            </a:r>
+            <a:r>
               <a:rPr lang="en-US" sz="1000"/>
-              <a:t>Requires many control points, so many parameters over which to optimize </a:t>
+              <a:t> </a:t>
             </a:r>
             <a:endParaRPr/>
           </a:p>
@@ -4065,7 +4035,7 @@
         </p:blipFill>
         <p:spPr>
           <a:xfrm>
-            <a:off x="3399120" y="1136880"/>
+            <a:off x="769320" y="3989160"/>
             <a:ext cx="1463040" cy="1060560"/>
           </a:xfrm>
           <a:prstGeom prst="rect">
@@ -4081,7 +4051,7 @@
         </p:nvSpPr>
         <p:spPr>
           <a:xfrm>
-            <a:off x="3719160" y="1182600"/>
+            <a:off x="1089360" y="4034880"/>
             <a:ext cx="914400" cy="176040"/>
           </a:xfrm>
           <a:prstGeom prst="rect">
@@ -4108,7 +4078,7 @@
         </p:nvSpPr>
         <p:spPr>
           <a:xfrm>
-            <a:off x="3833640" y="1319760"/>
+            <a:off x="1203840" y="4172040"/>
             <a:ext cx="45720" cy="274320"/>
           </a:xfrm>
           <a:prstGeom prst="line">
@@ -4131,7 +4101,7 @@
         </p:nvSpPr>
         <p:spPr>
           <a:xfrm>
-            <a:off x="4542120" y="1319760"/>
+            <a:off x="1912320" y="4172040"/>
             <a:ext cx="0" cy="502920"/>
           </a:xfrm>
           <a:prstGeom prst="line">
@@ -4154,7 +4124,7 @@
         </p:nvSpPr>
         <p:spPr>
           <a:xfrm>
-            <a:off x="3325320" y="2219760"/>
+            <a:off x="695520" y="5072040"/>
             <a:ext cx="1600200" cy="288360"/>
           </a:xfrm>
           <a:prstGeom prst="rect">
@@ -4180,8 +4150,8 @@
         </p:nvSpPr>
         <p:spPr>
           <a:xfrm>
-            <a:off x="3288960" y="214920"/>
-            <a:ext cx="3363120" cy="841680"/>
+            <a:off x="180000" y="3215520"/>
+            <a:ext cx="2563200" cy="739800"/>
           </a:xfrm>
           <a:prstGeom prst="rect">
             <a:avLst/>
@@ -4194,7 +4164,7 @@
             <a:r>
               <a:rPr b="1" lang="en-US" sz="1300">
                 <a:solidFill>
-                  <a:srgbClr val="314004"/>
+                  <a:srgbClr val="000080"/>
                 </a:solidFill>
               </a:rPr>
               <a:t>Torus Eversion</a:t>
@@ -4212,8 +4182,8 @@
               <a:buChar char=""/>
             </a:pPr>
             <a:r>
-              <a:rPr lang="en-US" sz="1000"/>
-              <a:t>Turn an torus inside-out by deforming it into two Klein-bottles attached to each other</a:t>
+              <a:rPr lang="en-US" sz="800"/>
+              <a:t>Turn an torus inside-out by deforming it into two Klein-bottle mouths attached to each other</a:t>
             </a:r>
             <a:endParaRPr/>
           </a:p>
@@ -4224,8 +4194,8 @@
               <a:buChar char=""/>
             </a:pPr>
             <a:r>
-              <a:rPr lang="en-US" sz="1000"/>
-              <a:t>Additionally, minimize energy along the way</a:t>
+              <a:rPr lang="en-US" sz="800"/>
+              <a:t>Proceed from halfway point by minimizing energy</a:t>
             </a:r>
             <a:endParaRPr/>
           </a:p>
@@ -4245,7 +4215,7 @@
         </p:blipFill>
         <p:spPr>
           <a:xfrm>
-            <a:off x="5001840" y="1138320"/>
+            <a:off x="695520" y="5314680"/>
             <a:ext cx="1600560" cy="1060200"/>
           </a:xfrm>
           <a:prstGeom prst="rect">
@@ -4261,8 +4231,8 @@
         </p:nvSpPr>
         <p:spPr>
           <a:xfrm>
-            <a:off x="5038200" y="2224080"/>
-            <a:ext cx="1554480" cy="189360"/>
+            <a:off x="137160" y="6400440"/>
+            <a:ext cx="2606040" cy="288360"/>
           </a:xfrm>
           <a:prstGeom prst="rect">
             <a:avLst/>
@@ -4271,9 +4241,10 @@
         <p:txBody>
           <a:bodyPr bIns="45000" lIns="90000" rIns="90000" tIns="45000" wrap="none"/>
           <a:p>
+            <a:pPr algn="ctr"/>
             <a:r>
               <a:rPr lang="en-US" sz="700"/>
-              <a:t>Visualizing the Klein-bottle mouths</a:t>
+              <a:t>Visualizing the Klein-bottle mouths. A possible halfway point in the eversion process.</a:t>
             </a:r>
             <a:endParaRPr/>
           </a:p>
@@ -4293,7 +4264,7 @@
         </p:blipFill>
         <p:spPr>
           <a:xfrm>
-            <a:off x="3337200" y="2913840"/>
+            <a:off x="5965200" y="825840"/>
             <a:ext cx="914400" cy="914400"/>
           </a:xfrm>
           <a:prstGeom prst="rect">
@@ -4309,7 +4280,7 @@
         </p:nvSpPr>
         <p:spPr>
           <a:xfrm>
-            <a:off x="3291840" y="2534400"/>
+            <a:off x="5919840" y="446400"/>
             <a:ext cx="3383280" cy="347400"/>
           </a:xfrm>
           <a:prstGeom prst="rect">
@@ -4349,7 +4320,7 @@
         </p:blipFill>
         <p:spPr>
           <a:xfrm>
-            <a:off x="5372640" y="2907000"/>
+            <a:off x="8000640" y="819000"/>
             <a:ext cx="612720" cy="914400"/>
           </a:xfrm>
           <a:prstGeom prst="rect">
@@ -4365,8 +4336,8 @@
         </p:nvSpPr>
         <p:spPr>
           <a:xfrm>
-            <a:off x="6073920" y="2867040"/>
-            <a:ext cx="627480" cy="1032840"/>
+            <a:off x="8701920" y="779040"/>
+            <a:ext cx="624960" cy="1028520"/>
           </a:xfrm>
           <a:prstGeom prst="rect">
             <a:avLst/>
@@ -4377,7 +4348,7 @@
           <a:p>
             <a:r>
               <a:rPr lang="en-US" sz="600"/>
-              <a:t>The stripe on the right arm is shown here. If an ant were to walk on the stripe, it would end up rotating 180° around the Z-axis.</a:t>
+              <a:t>The stripe on the right arm is shown here. If an ant were to walk on the stripe, it would end up rotating 180°.</a:t>
             </a:r>
             <a:endParaRPr/>
           </a:p>
@@ -4397,7 +4368,7 @@
         </p:blipFill>
         <p:spPr>
           <a:xfrm>
-            <a:off x="4370760" y="2917080"/>
+            <a:off x="6998760" y="829080"/>
             <a:ext cx="914400" cy="914400"/>
           </a:xfrm>
           <a:prstGeom prst="rect">
@@ -4405,9 +4376,39 @@
           </a:prstGeom>
         </p:spPr>
       </p:pic>
+      <p:sp>
+        <p:nvSpPr>
+          <p:cNvPr id="125" name="TextShape 24"/>
+          <p:cNvSpPr txBox="1"/>
+          <p:nvPr/>
+        </p:nvSpPr>
+        <p:spPr>
+          <a:xfrm>
+            <a:off x="5893200" y="1824840"/>
+            <a:ext cx="3383280" cy="347400"/>
+          </a:xfrm>
+          <a:prstGeom prst="rect">
+            <a:avLst/>
+          </a:prstGeom>
+        </p:spPr>
+        <p:txBody>
+          <a:bodyPr bIns="45000" lIns="90000" rIns="90000" tIns="45000" wrap="none"/>
+          <a:p>
+            <a:r>
+              <a:rPr b="1" lang="en-US" sz="600"/>
+              <a:t>Straightening out one arm:</a:t>
+            </a:r>
+            <a:r>
+              <a:rPr lang="en-US" sz="600"/>
+              <a:t> By allowing the green arm to straighten and the end caps to come closer together, the red arm is forced to incur all 360° of twist. The twist is then removed by folding the red arm until it is untwisted.</a:t>
+            </a:r>
+            <a:endParaRPr/>
+          </a:p>
+        </p:txBody>
+      </p:sp>
       <p:pic>
         <p:nvPicPr>
-          <p:cNvPr descr="" id="125" name=""/>
+          <p:cNvPr descr="" id="126" name=""/>
           <p:cNvPicPr/>
           <p:nvPr/>
         </p:nvPicPr>
@@ -4419,8 +4420,8 @@
         </p:blipFill>
         <p:spPr>
           <a:xfrm>
-            <a:off x="3255120" y="4311000"/>
-            <a:ext cx="914400" cy="1014840"/>
+            <a:off x="5831280" y="2178000"/>
+            <a:ext cx="914400" cy="914400"/>
           </a:xfrm>
           <a:prstGeom prst="rect">
             <a:avLst/>
@@ -4429,7 +4430,7 @@
       </p:pic>
       <p:pic>
         <p:nvPicPr>
-          <p:cNvPr descr="" id="126" name=""/>
+          <p:cNvPr descr="" id="127" name=""/>
           <p:cNvPicPr/>
           <p:nvPr/>
         </p:nvPicPr>
@@ -4441,8 +4442,8 @@
         </p:blipFill>
         <p:spPr>
           <a:xfrm>
-            <a:off x="4116960" y="4310640"/>
-            <a:ext cx="914400" cy="1014840"/>
+            <a:off x="7631280" y="2178000"/>
+            <a:ext cx="914400" cy="914400"/>
           </a:xfrm>
           <a:prstGeom prst="rect">
             <a:avLst/>
@@ -4451,7 +4452,7 @@
       </p:pic>
       <p:pic>
         <p:nvPicPr>
-          <p:cNvPr descr="" id="127" name=""/>
+          <p:cNvPr descr="" id="128" name=""/>
           <p:cNvPicPr/>
           <p:nvPr/>
         </p:nvPicPr>
@@ -4463,8 +4464,8 @@
         </p:blipFill>
         <p:spPr>
           <a:xfrm>
-            <a:off x="5009040" y="4312080"/>
-            <a:ext cx="914400" cy="1014840"/>
+            <a:off x="8459280" y="2178000"/>
+            <a:ext cx="914400" cy="914400"/>
           </a:xfrm>
           <a:prstGeom prst="rect">
             <a:avLst/>
@@ -4473,7 +4474,7 @@
       </p:pic>
       <p:pic>
         <p:nvPicPr>
-          <p:cNvPr descr="" id="128" name=""/>
+          <p:cNvPr descr="" id="129" name=""/>
           <p:cNvPicPr/>
           <p:nvPr/>
         </p:nvPicPr>
@@ -4485,8 +4486,8 @@
         </p:blipFill>
         <p:spPr>
           <a:xfrm>
-            <a:off x="5914080" y="4298040"/>
-            <a:ext cx="713160" cy="1014840"/>
+            <a:off x="6739200" y="2176200"/>
+            <a:ext cx="914400" cy="914400"/>
           </a:xfrm>
           <a:prstGeom prst="rect">
             <a:avLst/>
@@ -4495,14 +4496,14 @@
       </p:pic>
       <p:sp>
         <p:nvSpPr>
-          <p:cNvPr id="129" name="TextShape 24"/>
+          <p:cNvPr id="130" name="TextShape 25"/>
           <p:cNvSpPr txBox="1"/>
           <p:nvPr/>
         </p:nvSpPr>
         <p:spPr>
           <a:xfrm>
-            <a:off x="3265200" y="3912840"/>
-            <a:ext cx="3383280" cy="347400"/>
+            <a:off x="5812200" y="3159360"/>
+            <a:ext cx="3520440" cy="307440"/>
           </a:xfrm>
           <a:prstGeom prst="rect">
             <a:avLst/>
@@ -4513,11 +4514,11 @@
           <a:p>
             <a:r>
               <a:rPr b="1" lang="en-US" sz="600"/>
-              <a:t>Straightening out one arm:</a:t>
+              <a:t>Collapsing the straight arm:</a:t>
             </a:r>
             <a:r>
               <a:rPr lang="en-US" sz="600"/>
-              <a:t> By allowing the green arm to straighten and the end caps to come closer together, the red arm starts incurring the full 360° of twist. Here, the red arm has incurred 270° of twist in the last two images.</a:t>
+              <a:t> Finally, the green arm is shortened until it completely collapses and only the inverted torus remains.</a:t>
             </a:r>
             <a:endParaRPr/>
           </a:p>
@@ -4525,7 +4526,7 @@
       </p:sp>
       <p:pic>
         <p:nvPicPr>
-          <p:cNvPr descr="" id="130" name=""/>
+          <p:cNvPr descr="" id="131" name=""/>
           <p:cNvPicPr/>
           <p:nvPr/>
         </p:nvPicPr>
@@ -4537,8 +4538,8 @@
         </p:blipFill>
         <p:spPr>
           <a:xfrm>
-            <a:off x="3295080" y="5554440"/>
-            <a:ext cx="1060560" cy="914400"/>
+            <a:off x="7039800" y="3427560"/>
+            <a:ext cx="1097280" cy="1097280"/>
           </a:xfrm>
           <a:prstGeom prst="rect">
             <a:avLst/>
@@ -4547,7 +4548,7 @@
       </p:pic>
       <p:pic>
         <p:nvPicPr>
-          <p:cNvPr descr="" id="131" name=""/>
+          <p:cNvPr descr="" id="132" name=""/>
           <p:cNvPicPr/>
           <p:nvPr/>
         </p:nvPicPr>
@@ -4559,44 +4560,14 @@
         </p:blipFill>
         <p:spPr>
           <a:xfrm>
-            <a:off x="4448520" y="5554440"/>
-            <a:ext cx="1060560" cy="914400"/>
+            <a:off x="5851080" y="3427920"/>
+            <a:ext cx="1097280" cy="1097280"/>
           </a:xfrm>
           <a:prstGeom prst="rect">
             <a:avLst/>
           </a:prstGeom>
         </p:spPr>
       </p:pic>
-      <p:sp>
-        <p:nvSpPr>
-          <p:cNvPr id="132" name="TextShape 25"/>
-          <p:cNvSpPr txBox="1"/>
-          <p:nvPr/>
-        </p:nvSpPr>
-        <p:spPr>
-          <a:xfrm>
-            <a:off x="5617080" y="5554800"/>
-            <a:ext cx="1074600" cy="947160"/>
-          </a:xfrm>
-          <a:prstGeom prst="rect">
-            <a:avLst/>
-          </a:prstGeom>
-        </p:spPr>
-        <p:txBody>
-          <a:bodyPr bIns="45000" lIns="90000" rIns="90000" tIns="45000" wrap="none"/>
-          <a:p>
-            <a:r>
-              <a:rPr b="1" lang="en-US" sz="600"/>
-              <a:t>Collapsing the straight arm:</a:t>
-            </a:r>
-            <a:r>
-              <a:rPr lang="en-US" sz="600"/>
-              <a:t> As the end caps move closer together, the green arm becomes shorter and the red arm absorbs all 360° degrees of twist. Now, the green arm can be fully collapsed and the red arm unfolded into a torus with no twist.</a:t>
-            </a:r>
-            <a:endParaRPr/>
-          </a:p>
-        </p:txBody>
-      </p:sp>
       <p:pic>
         <p:nvPicPr>
           <p:cNvPr descr="" id="133" name=""/>
@@ -4611,8 +4582,8 @@
         </p:blipFill>
         <p:spPr>
           <a:xfrm>
-            <a:off x="6972480" y="1713600"/>
-            <a:ext cx="685440" cy="685440"/>
+            <a:off x="8235360" y="3427560"/>
+            <a:ext cx="1097280" cy="1097280"/>
           </a:xfrm>
           <a:prstGeom prst="rect">
             <a:avLst/>
@@ -4633,8 +4604,8 @@
         </p:blipFill>
         <p:spPr>
           <a:xfrm>
-            <a:off x="7647840" y="1755000"/>
-            <a:ext cx="566640" cy="603000"/>
+            <a:off x="3012480" y="1461600"/>
+            <a:ext cx="685440" cy="685440"/>
           </a:xfrm>
           <a:prstGeom prst="rect">
             <a:avLst/>
@@ -4655,8 +4626,8 @@
         </p:blipFill>
         <p:spPr>
           <a:xfrm>
-            <a:off x="8157240" y="1699200"/>
-            <a:ext cx="685440" cy="731160"/>
+            <a:off x="3687840" y="1503000"/>
+            <a:ext cx="566640" cy="603000"/>
           </a:xfrm>
           <a:prstGeom prst="rect">
             <a:avLst/>
@@ -4677,123 +4648,17 @@
         </p:blipFill>
         <p:spPr>
           <a:xfrm>
-            <a:off x="8814240" y="1743120"/>
-            <a:ext cx="633240" cy="677520"/>
+            <a:off x="4197240" y="1447200"/>
+            <a:ext cx="685440" cy="731160"/>
           </a:xfrm>
           <a:prstGeom prst="rect">
             <a:avLst/>
           </a:prstGeom>
         </p:spPr>
       </p:pic>
-      <p:sp>
-        <p:nvSpPr>
-          <p:cNvPr id="137" name="TextShape 26"/>
-          <p:cNvSpPr txBox="1"/>
-          <p:nvPr/>
-        </p:nvSpPr>
-        <p:spPr>
-          <a:xfrm>
-            <a:off x="7040880" y="2483280"/>
-            <a:ext cx="2354400" cy="1379160"/>
-          </a:xfrm>
-          <a:prstGeom prst="rect">
-            <a:avLst/>
-          </a:prstGeom>
-        </p:spPr>
-        <p:txBody>
-          <a:bodyPr bIns="45000" lIns="90000" rIns="90000" tIns="45000" wrap="none"/>
-          <a:p>
-            <a:pPr algn="ctr"/>
-            <a:r>
-              <a:rPr b="1" lang="en-US" sz="1300">
-                <a:solidFill>
-                  <a:srgbClr val="99284c"/>
-                </a:solidFill>
-              </a:rPr>
-              <a:t>Energy Functionals</a:t>
-            </a:r>
-            <a:endParaRPr/>
-          </a:p>
-          <a:p>
-            <a:endParaRPr/>
-          </a:p>
-          <a:p>
-            <a:pPr>
-              <a:buSzPct val="45000"/>
-              <a:buFont typeface="StarSymbol"/>
-              <a:buChar char=""/>
-            </a:pPr>
-            <a:r>
-              <a:rPr b="1" lang="en-US" sz="700"/>
-              <a:t>Bending:</a:t>
-            </a:r>
-            <a:r>
-              <a:rPr lang="en-US" sz="700"/>
-              <a:t> Compute angle between two struts and take deviation from collinearity</a:t>
-            </a:r>
-            <a:endParaRPr/>
-          </a:p>
-          <a:p>
-            <a:pPr>
-              <a:buSzPct val="45000"/>
-              <a:buFont typeface="StarSymbol"/>
-              <a:buChar char=""/>
-            </a:pPr>
-            <a:r>
-              <a:rPr b="1" lang="en-US" sz="700"/>
-              <a:t>Twisting:</a:t>
-            </a:r>
-            <a:r>
-              <a:rPr lang="en-US" sz="700"/>
-              <a:t> Using rotation minimizing frames,</a:t>
-            </a:r>
-            <a:endParaRPr/>
-          </a:p>
-          <a:p>
-            <a:pPr lvl="1">
-              <a:buSzPct val="45000"/>
-              <a:buFont typeface="StarSymbol"/>
-              <a:buChar char=""/>
-            </a:pPr>
-            <a:r>
-              <a:rPr lang="en-US" sz="700"/>
-              <a:t>Closed Curves: compare beginning and end orientations</a:t>
-            </a:r>
-            <a:endParaRPr/>
-          </a:p>
-          <a:p>
-            <a:pPr lvl="1">
-              <a:buSzPct val="45000"/>
-              <a:buFont typeface="StarSymbol"/>
-              <a:buChar char=""/>
-            </a:pPr>
-            <a:r>
-              <a:rPr lang="en-US" sz="700"/>
-              <a:t>Non-closed curves: forward project normal vectors and compare to a priori expected ending orientation</a:t>
-            </a:r>
-            <a:endParaRPr/>
-          </a:p>
-          <a:p>
-            <a:pPr>
-              <a:buSzPct val="45000"/>
-              <a:buFont typeface="StarSymbol"/>
-              <a:buChar char=""/>
-            </a:pPr>
-            <a:r>
-              <a:rPr b="1" lang="en-US" sz="700"/>
-              <a:t>Length Constraints:</a:t>
-            </a:r>
-            <a:r>
-              <a:rPr lang="en-US" sz="700"/>
-              <a:t> Bound length of struts by treating them like stretched springs</a:t>
-            </a:r>
-            <a:endParaRPr/>
-          </a:p>
-        </p:txBody>
-      </p:sp>
       <p:pic>
         <p:nvPicPr>
-          <p:cNvPr descr="" id="138" name=""/>
+          <p:cNvPr descr="" id="137" name=""/>
           <p:cNvPicPr/>
           <p:nvPr/>
         </p:nvPicPr>
@@ -4805,7 +4670,131 @@
         </p:blipFill>
         <p:spPr>
           <a:xfrm>
-            <a:off x="7063560" y="5376600"/>
+            <a:off x="4854240" y="1491120"/>
+            <a:ext cx="633240" cy="677520"/>
+          </a:xfrm>
+          <a:prstGeom prst="rect">
+            <a:avLst/>
+          </a:prstGeom>
+        </p:spPr>
+      </p:pic>
+      <p:sp>
+        <p:nvSpPr>
+          <p:cNvPr id="138" name="TextShape 26"/>
+          <p:cNvSpPr txBox="1"/>
+          <p:nvPr/>
+        </p:nvSpPr>
+        <p:spPr>
+          <a:xfrm>
+            <a:off x="2834640" y="2231280"/>
+            <a:ext cx="2744640" cy="1082160"/>
+          </a:xfrm>
+          <a:prstGeom prst="rect">
+            <a:avLst/>
+          </a:prstGeom>
+        </p:spPr>
+        <p:txBody>
+          <a:bodyPr bIns="45000" lIns="90000" rIns="90000" tIns="45000" wrap="none"/>
+          <a:p>
+            <a:pPr algn="ctr"/>
+            <a:r>
+              <a:rPr b="1" lang="en-US" sz="1300">
+                <a:solidFill>
+                  <a:srgbClr val="99284c"/>
+                </a:solidFill>
+              </a:rPr>
+              <a:t>Energy Functionals</a:t>
+            </a:r>
+            <a:endParaRPr/>
+          </a:p>
+          <a:p>
+            <a:endParaRPr/>
+          </a:p>
+          <a:p>
+            <a:pPr>
+              <a:buSzPct val="45000"/>
+              <a:buFont typeface="StarSymbol"/>
+              <a:buChar char=""/>
+            </a:pPr>
+            <a:r>
+              <a:rPr b="1" lang="en-US" sz="700"/>
+              <a:t>Bending:</a:t>
+            </a:r>
+            <a:r>
+              <a:rPr lang="en-US" sz="700"/>
+              <a:t> Compute angle between two struts and take deviation from collinearity</a:t>
+            </a:r>
+            <a:endParaRPr/>
+          </a:p>
+          <a:p>
+            <a:pPr>
+              <a:buSzPct val="45000"/>
+              <a:buFont typeface="StarSymbol"/>
+              <a:buChar char=""/>
+            </a:pPr>
+            <a:r>
+              <a:rPr b="1" lang="en-US" sz="700"/>
+              <a:t>Twisting:</a:t>
+            </a:r>
+            <a:r>
+              <a:rPr lang="en-US" sz="700"/>
+              <a:t> Using rotation minimizing frames,</a:t>
+            </a:r>
+            <a:endParaRPr/>
+          </a:p>
+          <a:p>
+            <a:pPr lvl="1">
+              <a:buSzPct val="45000"/>
+              <a:buFont typeface="StarSymbol"/>
+              <a:buChar char=""/>
+            </a:pPr>
+            <a:r>
+              <a:rPr lang="en-US" sz="700"/>
+              <a:t>Closed Curves: compare beginning and end orientations</a:t>
+            </a:r>
+            <a:endParaRPr/>
+          </a:p>
+          <a:p>
+            <a:pPr lvl="1">
+              <a:buSzPct val="45000"/>
+              <a:buFont typeface="StarSymbol"/>
+              <a:buChar char=""/>
+            </a:pPr>
+            <a:r>
+              <a:rPr lang="en-US" sz="700"/>
+              <a:t>Non-closed curves: forward project normal vectors and compare to a priori expected ending orientation</a:t>
+            </a:r>
+            <a:endParaRPr/>
+          </a:p>
+          <a:p>
+            <a:pPr>
+              <a:buSzPct val="45000"/>
+              <a:buFont typeface="StarSymbol"/>
+              <a:buChar char=""/>
+            </a:pPr>
+            <a:r>
+              <a:rPr lang="en-US" sz="700"/>
+              <a:t>Can weigh these parts to trade-off between them</a:t>
+            </a:r>
+            <a:endParaRPr/>
+          </a:p>
+        </p:txBody>
+      </p:sp>
+      <p:pic>
+        <p:nvPicPr>
+          <p:cNvPr descr="" id="139" name=""/>
+          <p:cNvPicPr/>
+          <p:nvPr/>
+        </p:nvPicPr>
+        <p:blipFill>
+          <a:blip r:embed="rId22"/>
+          <a:stretch>
+            <a:fillRect/>
+          </a:stretch>
+        </p:blipFill>
+        <p:spPr>
+          <a:xfrm>
+            <a:off x="6451560" y="5448600"/>
             <a:ext cx="2286000" cy="777240"/>
           </a:xfrm>
           <a:prstGeom prst="rect">
@@ -4815,13 +4804,13 @@
       </p:pic>
       <p:sp>
         <p:nvSpPr>
-          <p:cNvPr id="139" name="TextShape 27"/>
+          <p:cNvPr id="140" name="TextShape 27"/>
           <p:cNvSpPr txBox="1"/>
           <p:nvPr/>
         </p:nvSpPr>
         <p:spPr>
           <a:xfrm>
-            <a:off x="6949440" y="6099480"/>
+            <a:off x="6337440" y="6171480"/>
             <a:ext cx="868680" cy="433080"/>
           </a:xfrm>
           <a:prstGeom prst="rect">
@@ -4841,13 +4830,13 @@
       </p:sp>
       <p:sp>
         <p:nvSpPr>
-          <p:cNvPr id="140" name="TextShape 28"/>
+          <p:cNvPr id="141" name="TextShape 28"/>
           <p:cNvSpPr txBox="1"/>
           <p:nvPr/>
         </p:nvSpPr>
         <p:spPr>
           <a:xfrm>
-            <a:off x="8677800" y="6099840"/>
+            <a:off x="8065800" y="6171840"/>
             <a:ext cx="868680" cy="433080"/>
           </a:xfrm>
           <a:prstGeom prst="rect">
@@ -4867,13 +4856,13 @@
       </p:sp>
       <p:sp>
         <p:nvSpPr>
-          <p:cNvPr id="141" name="TextShape 29"/>
+          <p:cNvPr id="142" name="TextShape 29"/>
           <p:cNvSpPr txBox="1"/>
           <p:nvPr/>
         </p:nvSpPr>
         <p:spPr>
           <a:xfrm>
-            <a:off x="7795080" y="6367680"/>
+            <a:off x="7183080" y="6439680"/>
             <a:ext cx="891720" cy="261720"/>
           </a:xfrm>
           <a:prstGeom prst="rect">
@@ -4893,13 +4882,13 @@
       </p:sp>
       <p:sp>
         <p:nvSpPr>
-          <p:cNvPr id="142" name="Line 30"/>
+          <p:cNvPr id="143" name="Line 30"/>
           <p:cNvSpPr/>
           <p:nvPr/>
         </p:nvSpPr>
         <p:spPr>
           <a:xfrm flipH="1" flipV="1">
-            <a:off x="7726680" y="6263640"/>
+            <a:off x="7114680" y="6335640"/>
             <a:ext cx="137160" cy="137160"/>
           </a:xfrm>
           <a:prstGeom prst="line">
@@ -4916,13 +4905,13 @@
       </p:sp>
       <p:sp>
         <p:nvSpPr>
-          <p:cNvPr id="143" name="Line 31"/>
+          <p:cNvPr id="144" name="Line 31"/>
           <p:cNvSpPr/>
           <p:nvPr/>
         </p:nvSpPr>
         <p:spPr>
           <a:xfrm flipV="1">
-            <a:off x="8618040" y="6240600"/>
+            <a:off x="8006040" y="6312600"/>
             <a:ext cx="114480" cy="127080"/>
           </a:xfrm>
           <a:prstGeom prst="line">
@@ -4939,14 +4928,14 @@
       </p:sp>
       <p:sp>
         <p:nvSpPr>
-          <p:cNvPr id="144" name="TextShape 32"/>
+          <p:cNvPr id="145" name="TextShape 32"/>
           <p:cNvSpPr txBox="1"/>
           <p:nvPr/>
         </p:nvSpPr>
         <p:spPr>
           <a:xfrm>
-            <a:off x="7017840" y="1427040"/>
-            <a:ext cx="2377440" cy="261720"/>
+            <a:off x="3040200" y="1175040"/>
+            <a:ext cx="2539080" cy="261720"/>
           </a:xfrm>
           <a:prstGeom prst="rect">
             <a:avLst/>
@@ -4958,6 +4947,124 @@
             <a:r>
               <a:rPr lang="en-US" sz="600"/>
               <a:t>A highly twisted and bent curve unfolds into a circle with no twist, using gradient descent.</a:t>
+            </a:r>
+            <a:endParaRPr/>
+          </a:p>
+        </p:txBody>
+      </p:sp>
+      <p:sp>
+        <p:nvSpPr>
+          <p:cNvPr id="146" name="TextShape 33"/>
+          <p:cNvSpPr txBox="1"/>
+          <p:nvPr/>
+        </p:nvSpPr>
+        <p:spPr>
+          <a:xfrm>
+            <a:off x="5829120" y="179280"/>
+            <a:ext cx="3520440" cy="274680"/>
+          </a:xfrm>
+          <a:prstGeom prst="rect">
+            <a:avLst/>
+          </a:prstGeom>
+        </p:spPr>
+        <p:txBody>
+          <a:bodyPr bIns="45000" lIns="90000" rIns="90000" tIns="45000" wrap="none"/>
+          <a:p>
+            <a:pPr algn="ctr"/>
+            <a:r>
+              <a:rPr b="1" lang="en-US" sz="1300">
+                <a:solidFill>
+                  <a:srgbClr val="314004"/>
+                </a:solidFill>
+              </a:rPr>
+              <a:t>Optimizing the Eversion Process</a:t>
+            </a:r>
+            <a:endParaRPr/>
+          </a:p>
+        </p:txBody>
+      </p:sp>
+      <p:sp>
+        <p:nvSpPr>
+          <p:cNvPr id="147" name="TextShape 34"/>
+          <p:cNvSpPr txBox="1"/>
+          <p:nvPr/>
+        </p:nvSpPr>
+        <p:spPr>
+          <a:xfrm>
+            <a:off x="137160" y="1756800"/>
+            <a:ext cx="2606040" cy="1458720"/>
+          </a:xfrm>
+          <a:prstGeom prst="rect">
+            <a:avLst/>
+          </a:prstGeom>
+        </p:spPr>
+        <p:txBody>
+          <a:bodyPr bIns="45000" lIns="90000" rIns="90000" tIns="45000" wrap="none"/>
+          <a:p>
+            <a:pPr algn="ctr"/>
+            <a:r>
+              <a:rPr b="1" lang="en-US" sz="1300">
+                <a:solidFill>
+                  <a:srgbClr val="000080"/>
+                </a:solidFill>
+              </a:rPr>
+              <a:t>Smooth Transformations</a:t>
+            </a:r>
+            <a:endParaRPr/>
+          </a:p>
+          <a:p>
+            <a:pPr>
+              <a:buSzPct val="45000"/>
+              <a:buFont typeface="StarSymbol"/>
+              <a:buChar char=""/>
+            </a:pPr>
+            <a:endParaRPr/>
+          </a:p>
+          <a:p>
+            <a:pPr>
+              <a:buSzPct val="45000"/>
+              <a:buFont typeface="StarSymbol"/>
+              <a:buChar char=""/>
+            </a:pPr>
+            <a:r>
+              <a:rPr lang="en-US" sz="800">
+                <a:solidFill>
+                  <a:srgbClr val="000000"/>
+                </a:solidFill>
+              </a:rPr>
+              <a:t>Homotopy:smooth transformation from one surface to another, without introducing creases, corners or punctures</a:t>
+            </a:r>
+            <a:endParaRPr/>
+          </a:p>
+          <a:p>
+            <a:pPr>
+              <a:buSzPct val="45000"/>
+              <a:buFont typeface="StarSymbol"/>
+              <a:buChar char=""/>
+            </a:pPr>
+            <a:r>
+              <a:rPr lang="en-US" sz="800">
+                <a:solidFill>
+                  <a:srgbClr val="000000"/>
+                </a:solidFill>
+              </a:rPr>
+              <a:t>Everting a torus is a homotopy</a:t>
+            </a:r>
+            <a:endParaRPr/>
+          </a:p>
+          <a:p>
+            <a:pPr>
+              <a:buSzPct val="45000"/>
+              <a:buFont typeface="StarSymbol"/>
+              <a:buChar char=""/>
+            </a:pPr>
+            <a:r>
+              <a:rPr b="1" lang="en-US" sz="800">
+                <a:solidFill>
+                  <a:srgbClr val="000000"/>
+                </a:solidFill>
+              </a:rPr>
+              <a:t>Want to find a stable halfway point in eversion process and an energy functional such that nudging the surface away from equilibrium causes the surface to spontaneously transform into a torus.</a:t>
             </a:r>
             <a:endParaRPr/>
           </a:p>

--- a/eecs-poster-session-2012.pptx
+++ b/eecs-poster-session-2012.pptx
@@ -3400,7 +3400,7 @@
         </p:nvSpPr>
         <p:spPr>
           <a:xfrm>
-            <a:off x="2834640" y="3451680"/>
+            <a:off x="2834640" y="171360"/>
             <a:ext cx="2823840" cy="3308760"/>
           </a:xfrm>
           <a:prstGeom prst="rect">
@@ -3520,7 +3520,7 @@
         </p:nvSpPr>
         <p:spPr>
           <a:xfrm>
-            <a:off x="2834640" y="160200"/>
+            <a:off x="2834640" y="3544200"/>
             <a:ext cx="2823840" cy="3200040"/>
           </a:xfrm>
           <a:prstGeom prst="rect">
@@ -3618,7 +3618,7 @@
         </p:nvSpPr>
         <p:spPr>
           <a:xfrm>
-            <a:off x="2834640" y="3451320"/>
+            <a:off x="2834640" y="171000"/>
             <a:ext cx="2823840" cy="288360"/>
           </a:xfrm>
           <a:prstGeom prst="rect">
@@ -3635,7 +3635,7 @@
                   <a:srgbClr val="99284c"/>
                 </a:solidFill>
               </a:rPr>
-              <a:t>Trading Off Bending and Twisting</a:t>
+              <a:t>Bending and Twisting</a:t>
             </a:r>
             <a:endParaRPr/>
           </a:p>
@@ -3649,7 +3649,7 @@
         </p:nvSpPr>
         <p:spPr>
           <a:xfrm>
-            <a:off x="2968200" y="3766320"/>
+            <a:off x="2968200" y="486000"/>
             <a:ext cx="2583000" cy="347400"/>
           </a:xfrm>
           <a:prstGeom prst="rect">
@@ -3675,7 +3675,7 @@
         </p:nvSpPr>
         <p:spPr>
           <a:xfrm>
-            <a:off x="2994480" y="5674320"/>
+            <a:off x="2994480" y="2394000"/>
             <a:ext cx="1257480" cy="261720"/>
           </a:xfrm>
           <a:prstGeom prst="rect">
@@ -3701,7 +3701,7 @@
         </p:nvSpPr>
         <p:spPr>
           <a:xfrm>
-            <a:off x="4270680" y="5688000"/>
+            <a:off x="4270680" y="2407680"/>
             <a:ext cx="1257480" cy="176040"/>
           </a:xfrm>
           <a:prstGeom prst="rect">
@@ -3728,7 +3728,7 @@
         </p:nvSpPr>
         <p:spPr>
           <a:xfrm>
-            <a:off x="2987640" y="6298560"/>
+            <a:off x="2987640" y="3018240"/>
             <a:ext cx="1169280" cy="347400"/>
           </a:xfrm>
           <a:prstGeom prst="rect">
@@ -3761,7 +3761,7 @@
         </p:blipFill>
         <p:spPr>
           <a:xfrm>
-            <a:off x="2994480" y="4113360"/>
+            <a:off x="2994480" y="833040"/>
             <a:ext cx="1234440" cy="768240"/>
           </a:xfrm>
           <a:prstGeom prst="rect">
@@ -3783,7 +3783,7 @@
         </p:blipFill>
         <p:spPr>
           <a:xfrm>
-            <a:off x="4294080" y="4113360"/>
+            <a:off x="4294080" y="833040"/>
             <a:ext cx="1234440" cy="768240"/>
           </a:xfrm>
           <a:prstGeom prst="rect">
@@ -3805,7 +3805,7 @@
         </p:blipFill>
         <p:spPr>
           <a:xfrm>
-            <a:off x="2991240" y="5072040"/>
+            <a:off x="2991240" y="1791720"/>
             <a:ext cx="1234440" cy="612720"/>
           </a:xfrm>
           <a:prstGeom prst="rect">
@@ -3827,7 +3827,7 @@
         </p:blipFill>
         <p:spPr>
           <a:xfrm>
-            <a:off x="4293720" y="5067360"/>
+            <a:off x="4293720" y="1787040"/>
             <a:ext cx="1234440" cy="612720"/>
           </a:xfrm>
           <a:prstGeom prst="rect">
@@ -3849,7 +3849,7 @@
         </p:blipFill>
         <p:spPr>
           <a:xfrm>
-            <a:off x="4143240" y="6018480"/>
+            <a:off x="4143240" y="2738160"/>
             <a:ext cx="1234440" cy="612720"/>
           </a:xfrm>
           <a:prstGeom prst="rect">
@@ -3865,7 +3865,7 @@
         </p:nvSpPr>
         <p:spPr>
           <a:xfrm>
-            <a:off x="2834640" y="179280"/>
+            <a:off x="2834640" y="3563280"/>
             <a:ext cx="2787840" cy="983160"/>
           </a:xfrm>
           <a:prstGeom prst="rect">
@@ -4486,7 +4486,7 @@
         </p:blipFill>
         <p:spPr>
           <a:xfrm>
-            <a:off x="6739200" y="2176200"/>
+            <a:off x="6739200" y="2182320"/>
             <a:ext cx="914400" cy="914400"/>
           </a:xfrm>
           <a:prstGeom prst="rect">
@@ -4502,7 +4502,7 @@
         </p:nvSpPr>
         <p:spPr>
           <a:xfrm>
-            <a:off x="5812200" y="3159360"/>
+            <a:off x="5812200" y="4275360"/>
             <a:ext cx="3520440" cy="307440"/>
           </a:xfrm>
           <a:prstGeom prst="rect">
@@ -4538,7 +4538,7 @@
         </p:blipFill>
         <p:spPr>
           <a:xfrm>
-            <a:off x="7039800" y="3427560"/>
+            <a:off x="7039800" y="3175560"/>
             <a:ext cx="1097280" cy="1097280"/>
           </a:xfrm>
           <a:prstGeom prst="rect">
@@ -4560,7 +4560,7 @@
         </p:blipFill>
         <p:spPr>
           <a:xfrm>
-            <a:off x="5851080" y="3427920"/>
+            <a:off x="5851080" y="3175920"/>
             <a:ext cx="1097280" cy="1097280"/>
           </a:xfrm>
           <a:prstGeom prst="rect">
@@ -4582,7 +4582,7 @@
         </p:blipFill>
         <p:spPr>
           <a:xfrm>
-            <a:off x="8235360" y="3427560"/>
+            <a:off x="8235360" y="3175560"/>
             <a:ext cx="1097280" cy="1097280"/>
           </a:xfrm>
           <a:prstGeom prst="rect">
@@ -4604,7 +4604,7 @@
         </p:blipFill>
         <p:spPr>
           <a:xfrm>
-            <a:off x="3012480" y="1461600"/>
+            <a:off x="3012480" y="4845600"/>
             <a:ext cx="685440" cy="685440"/>
           </a:xfrm>
           <a:prstGeom prst="rect">
@@ -4626,7 +4626,7 @@
         </p:blipFill>
         <p:spPr>
           <a:xfrm>
-            <a:off x="3687840" y="1503000"/>
+            <a:off x="3687840" y="4887000"/>
             <a:ext cx="566640" cy="603000"/>
           </a:xfrm>
           <a:prstGeom prst="rect">
@@ -4648,7 +4648,7 @@
         </p:blipFill>
         <p:spPr>
           <a:xfrm>
-            <a:off x="4197240" y="1447200"/>
+            <a:off x="4197240" y="4831200"/>
             <a:ext cx="685440" cy="731160"/>
           </a:xfrm>
           <a:prstGeom prst="rect">
@@ -4670,7 +4670,7 @@
         </p:blipFill>
         <p:spPr>
           <a:xfrm>
-            <a:off x="4854240" y="1491120"/>
+            <a:off x="4854240" y="4875120"/>
             <a:ext cx="633240" cy="677520"/>
           </a:xfrm>
           <a:prstGeom prst="rect">
@@ -4686,7 +4686,7 @@
         </p:nvSpPr>
         <p:spPr>
           <a:xfrm>
-            <a:off x="2834640" y="2231280"/>
+            <a:off x="2834640" y="5615280"/>
             <a:ext cx="2744640" cy="1082160"/>
           </a:xfrm>
           <a:prstGeom prst="rect">
@@ -4934,7 +4934,7 @@
         </p:nvSpPr>
         <p:spPr>
           <a:xfrm>
-            <a:off x="3040200" y="1175040"/>
+            <a:off x="3040200" y="4559040"/>
             <a:ext cx="2539080" cy="261720"/>
           </a:xfrm>
           <a:prstGeom prst="rect">
@@ -5032,7 +5032,7 @@
                   <a:srgbClr val="000000"/>
                 </a:solidFill>
               </a:rPr>
-              <a:t>Homotopy:smooth transformation from one surface to another, without introducing creases, corners or punctures</a:t>
+              <a:t>Homotopy:smooth transformation from one surface to another without introducing sharp creases or tears</a:t>
             </a:r>
             <a:endParaRPr/>
           </a:p>
@@ -5048,7 +5048,7 @@
                   <a:srgbClr val="000000"/>
                 </a:solidFill>
               </a:rPr>
-              <a:t>Everting a torus is a homotopy</a:t>
+              <a:t>Want to visualize such transformations without specifying intermediate states</a:t>
             </a:r>
             <a:endParaRPr/>
           </a:p>
@@ -5058,13 +5058,37 @@
               <a:buFont typeface="StarSymbol"/>
               <a:buChar char=""/>
             </a:pPr>
+            <a:endParaRPr/>
+          </a:p>
+          <a:p>
+            <a:pPr>
+              <a:buSzPct val="45000"/>
+              <a:buFont typeface="StarSymbol"/>
+              <a:buChar char=""/>
+            </a:pPr>
+            <a:r>
+              <a:rPr lang="en-US" sz="800">
+                <a:solidFill>
+                  <a:srgbClr val="000000"/>
+                </a:solidFill>
+              </a:rPr>
+              <a:t>Everting a torus is a homotopy</a:t>
+            </a:r>
+            <a:endParaRPr/>
+          </a:p>
+          <a:p>
+            <a:pPr>
+              <a:buSzPct val="45000"/>
+              <a:buFont typeface="StarSymbol"/>
+              <a:buChar char=""/>
+            </a:pPr>
             <a:r>
               <a:rPr b="1" lang="en-US" sz="800">
                 <a:solidFill>
                   <a:srgbClr val="000000"/>
                 </a:solidFill>
               </a:rPr>
-              <a:t>Want to find a stable halfway point in eversion process and an energy functional such that nudging the surface away from equilibrium causes the surface to spontaneously transform into a torus.</a:t>
+              <a:t>Want to visualize eversion process proceeding spontaneously from some halfway point</a:t>
             </a:r>
             <a:endParaRPr/>
           </a:p>

--- a/eecs-poster-session-2012.pptx
+++ b/eecs-poster-session-2012.pptx
@@ -3449,7 +3449,7 @@
         <p:spPr>
           <a:xfrm>
             <a:off x="137160" y="159840"/>
-            <a:ext cx="2606040" cy="1499760"/>
+            <a:ext cx="2606040" cy="1391760"/>
           </a:xfrm>
           <a:prstGeom prst="rect">
             <a:avLst/>
@@ -3472,8 +3472,8 @@
         </p:nvSpPr>
         <p:spPr>
           <a:xfrm>
-            <a:off x="137160" y="1714320"/>
-            <a:ext cx="2606040" cy="5010840"/>
+            <a:off x="137160" y="1622880"/>
+            <a:ext cx="2606040" cy="5102280"/>
           </a:xfrm>
           <a:prstGeom prst="rect">
             <a:avLst/>
@@ -3747,9 +3747,173 @@
           </a:p>
         </p:txBody>
       </p:sp>
+      <p:sp>
+        <p:nvSpPr>
+          <p:cNvPr id="105" name="TextShape 14"/>
+          <p:cNvSpPr txBox="1"/>
+          <p:nvPr/>
+        </p:nvSpPr>
+        <p:spPr>
+          <a:xfrm>
+            <a:off x="2834640" y="3563280"/>
+            <a:ext cx="2787840" cy="983160"/>
+          </a:xfrm>
+          <a:prstGeom prst="rect">
+            <a:avLst/>
+          </a:prstGeom>
+        </p:spPr>
+        <p:txBody>
+          <a:bodyPr bIns="45000" lIns="90000" rIns="90000" tIns="45000" wrap="none"/>
+          <a:p>
+            <a:pPr algn="ctr"/>
+            <a:r>
+              <a:rPr b="1" lang="en-US" sz="1300">
+                <a:solidFill>
+                  <a:srgbClr val="99284c"/>
+                </a:solidFill>
+              </a:rPr>
+              <a:t>Gradient Descent</a:t>
+            </a:r>
+            <a:endParaRPr/>
+          </a:p>
+          <a:p>
+            <a:endParaRPr/>
+          </a:p>
+          <a:p>
+            <a:pPr>
+              <a:buSzPct val="45000"/>
+              <a:buFont typeface="StarSymbol"/>
+              <a:buChar char=""/>
+            </a:pPr>
+            <a:r>
+              <a:rPr lang="en-US" sz="700"/>
+              <a:t>Surfaces represented as polylines with circular cross-sections</a:t>
+            </a:r>
+            <a:endParaRPr/>
+          </a:p>
+          <a:p>
+            <a:pPr>
+              <a:buSzPct val="45000"/>
+              <a:buFont typeface="StarSymbol"/>
+              <a:buChar char=""/>
+            </a:pPr>
+            <a:r>
+              <a:rPr lang="en-US" sz="700"/>
+              <a:t>Optimization via Gradient Descent</a:t>
+            </a:r>
+            <a:endParaRPr/>
+          </a:p>
+          <a:p>
+            <a:pPr lvl="1">
+              <a:buSzPct val="45000"/>
+              <a:buFont typeface="StarSymbol"/>
+              <a:buChar char=""/>
+            </a:pPr>
+            <a:r>
+              <a:rPr lang="en-US" sz="700"/>
+              <a:t>Vary the coordinates of each control point (parameters), revert change  if energy does not decrease</a:t>
+            </a:r>
+            <a:endParaRPr/>
+          </a:p>
+          <a:p>
+            <a:pPr lvl="1">
+              <a:buSzPct val="45000"/>
+              <a:buFont typeface="StarSymbol"/>
+              <a:buChar char=""/>
+            </a:pPr>
+            <a:r>
+              <a:rPr lang="en-US" sz="700"/>
+              <a:t>Iterate, then stop when no decrease possible</a:t>
+            </a:r>
+            <a:endParaRPr/>
+          </a:p>
+          <a:p>
+            <a:pPr lvl="1">
+              <a:buSzPct val="45000"/>
+              <a:buFont typeface="StarSymbol"/>
+              <a:buChar char=""/>
+            </a:pPr>
+            <a:r>
+              <a:rPr lang="en-US" sz="700"/>
+              <a:t>Susceptible to local </a:t>
+            </a:r>
+            <a:r>
+              <a:rPr lang="en-US" sz="700"/>
+              <a:t>minima</a:t>
+            </a:r>
+            <a:r>
+              <a:rPr lang="en-US" sz="700"/>
+              <a:t> in energy functional</a:t>
+            </a:r>
+            <a:endParaRPr/>
+          </a:p>
+        </p:txBody>
+      </p:sp>
+      <p:sp>
+        <p:nvSpPr>
+          <p:cNvPr id="106" name="TextShape 15"/>
+          <p:cNvSpPr txBox="1"/>
+          <p:nvPr/>
+        </p:nvSpPr>
+        <p:spPr>
+          <a:xfrm>
+            <a:off x="5761440" y="4679280"/>
+            <a:ext cx="3611160" cy="744480"/>
+          </a:xfrm>
+          <a:prstGeom prst="rect">
+            <a:avLst/>
+          </a:prstGeom>
+        </p:spPr>
+        <p:txBody>
+          <a:bodyPr bIns="45000" lIns="90000" rIns="90000" tIns="45000" wrap="none"/>
+          <a:p>
+            <a:pPr algn="ctr"/>
+            <a:r>
+              <a:rPr b="1" lang="en-US" sz="1300">
+                <a:solidFill>
+                  <a:srgbClr val="314004"/>
+                </a:solidFill>
+              </a:rPr>
+              <a:t>Future Work</a:t>
+            </a:r>
+            <a:endParaRPr/>
+          </a:p>
+          <a:p>
+            <a:endParaRPr/>
+          </a:p>
+          <a:p>
+            <a:pPr>
+              <a:buSzPct val="45000"/>
+              <a:buFont typeface="StarSymbol"/>
+              <a:buChar char=""/>
+            </a:pPr>
+            <a:r>
+              <a:rPr lang="en-US" sz="800"/>
+              <a:t>Fully gridded parameterization of surface</a:t>
+            </a:r>
+            <a:endParaRPr/>
+          </a:p>
+          <a:p>
+            <a:pPr lvl="1">
+              <a:buSzPct val="45000"/>
+              <a:buFont typeface="StarSymbol"/>
+              <a:buChar char=""/>
+            </a:pPr>
+            <a:r>
+              <a:rPr lang="en-US" sz="800"/>
+              <a:t>Requires many control points, so many parameters over which to optimize</a:t>
+            </a:r>
+            <a:r>
+              <a:rPr lang="en-US" sz="1000"/>
+              <a:t> </a:t>
+            </a:r>
+            <a:endParaRPr/>
+          </a:p>
+        </p:txBody>
+      </p:sp>
       <p:pic>
         <p:nvPicPr>
-          <p:cNvPr descr="" id="105" name=""/>
+          <p:cNvPr descr="" id="107" name=""/>
           <p:cNvPicPr/>
           <p:nvPr/>
         </p:nvPicPr>
@@ -3761,17 +3925,175 @@
         </p:blipFill>
         <p:spPr>
           <a:xfrm>
-            <a:off x="2994480" y="833040"/>
-            <a:ext cx="1234440" cy="768240"/>
+            <a:off x="769320" y="4133160"/>
+            <a:ext cx="1463040" cy="1060560"/>
           </a:xfrm>
           <a:prstGeom prst="rect">
             <a:avLst/>
           </a:prstGeom>
         </p:spPr>
       </p:pic>
+      <p:sp>
+        <p:nvSpPr>
+          <p:cNvPr id="108" name="TextShape 16"/>
+          <p:cNvSpPr txBox="1"/>
+          <p:nvPr/>
+        </p:nvSpPr>
+        <p:spPr>
+          <a:xfrm>
+            <a:off x="1089360" y="4178880"/>
+            <a:ext cx="914400" cy="176040"/>
+          </a:xfrm>
+          <a:prstGeom prst="rect">
+            <a:avLst/>
+          </a:prstGeom>
+        </p:spPr>
+        <p:txBody>
+          <a:bodyPr bIns="45000" lIns="90000" rIns="90000" tIns="45000" wrap="none"/>
+          <a:p>
+            <a:pPr algn="ctr"/>
+            <a:r>
+              <a:rPr b="1" lang="en-US" sz="600"/>
+              <a:t>Klein-bottle mouths</a:t>
+            </a:r>
+            <a:endParaRPr/>
+          </a:p>
+        </p:txBody>
+      </p:sp>
+      <p:sp>
+        <p:nvSpPr>
+          <p:cNvPr id="109" name="Line 17"/>
+          <p:cNvSpPr/>
+          <p:nvPr/>
+        </p:nvSpPr>
+        <p:spPr>
+          <a:xfrm>
+            <a:off x="1203840" y="4316040"/>
+            <a:ext cx="45720" cy="274320"/>
+          </a:xfrm>
+          <a:prstGeom prst="line">
+            <a:avLst/>
+          </a:prstGeom>
+          <a:ln w="9000">
+            <a:solidFill>
+              <a:srgbClr val="000000"/>
+            </a:solidFill>
+            <a:round/>
+            <a:tailEnd len="med" type="triangle" w="med"/>
+          </a:ln>
+        </p:spPr>
+      </p:sp>
+      <p:sp>
+        <p:nvSpPr>
+          <p:cNvPr id="110" name="Line 18"/>
+          <p:cNvSpPr/>
+          <p:nvPr/>
+        </p:nvSpPr>
+        <p:spPr>
+          <a:xfrm>
+            <a:off x="1912320" y="4316040"/>
+            <a:ext cx="0" cy="502920"/>
+          </a:xfrm>
+          <a:prstGeom prst="line">
+            <a:avLst/>
+          </a:prstGeom>
+          <a:ln w="9000">
+            <a:solidFill>
+              <a:srgbClr val="000000"/>
+            </a:solidFill>
+            <a:round/>
+            <a:tailEnd len="med" type="triangle" w="med"/>
+          </a:ln>
+        </p:spPr>
+      </p:sp>
+      <p:sp>
+        <p:nvSpPr>
+          <p:cNvPr id="111" name="TextShape 19"/>
+          <p:cNvSpPr txBox="1"/>
+          <p:nvPr/>
+        </p:nvSpPr>
+        <p:spPr>
+          <a:xfrm>
+            <a:off x="695520" y="5216040"/>
+            <a:ext cx="1600200" cy="288360"/>
+          </a:xfrm>
+          <a:prstGeom prst="rect">
+            <a:avLst/>
+          </a:prstGeom>
+        </p:spPr>
+        <p:txBody>
+          <a:bodyPr bIns="45000" lIns="90000" rIns="90000" tIns="45000" wrap="none"/>
+          <a:p>
+            <a:r>
+              <a:rPr lang="en-US" sz="700"/>
+              <a:t>Torus eversion, rendered by Chéritat</a:t>
+            </a:r>
+            <a:endParaRPr/>
+          </a:p>
+        </p:txBody>
+      </p:sp>
+      <p:sp>
+        <p:nvSpPr>
+          <p:cNvPr id="112" name="CustomShape 20"/>
+          <p:cNvSpPr/>
+          <p:nvPr/>
+        </p:nvSpPr>
+        <p:spPr>
+          <a:xfrm>
+            <a:off x="180000" y="3107520"/>
+            <a:ext cx="2563200" cy="739800"/>
+          </a:xfrm>
+          <a:prstGeom prst="rect">
+            <a:avLst/>
+          </a:prstGeom>
+        </p:spPr>
+        <p:txBody>
+          <a:bodyPr bIns="45000" lIns="90000" rIns="90000" tIns="45000"/>
+          <a:p>
+            <a:pPr algn="ctr"/>
+            <a:r>
+              <a:rPr b="1" lang="en-US" sz="1300">
+                <a:solidFill>
+                  <a:srgbClr val="000080"/>
+                </a:solidFill>
+              </a:rPr>
+              <a:t>Torus Eversion</a:t>
+            </a:r>
+            <a:endParaRPr/>
+          </a:p>
+          <a:p>
+            <a:pPr algn="ctr"/>
+            <a:endParaRPr/>
+          </a:p>
+          <a:p>
+            <a:pPr>
+              <a:buSzPct val="45000"/>
+              <a:buFont typeface="StarSymbol"/>
+              <a:buChar char=""/>
+            </a:pPr>
+            <a:r>
+              <a:rPr lang="en-US" sz="800"/>
+              <a:t>Turn an torus inside-out by deforming it into two Klein-bottle mouths attached to each other</a:t>
+            </a:r>
+            <a:endParaRPr/>
+          </a:p>
+          <a:p>
+            <a:pPr>
+              <a:buSzPct val="45000"/>
+              <a:buFont typeface="StarSymbol"/>
+              <a:buChar char=""/>
+            </a:pPr>
+            <a:r>
+              <a:rPr lang="en-US" sz="800"/>
+              <a:t>Proceed from symmetrical halfway point by minimizing energy. Can we find such an energy functional?</a:t>
+            </a:r>
+            <a:endParaRPr/>
+          </a:p>
+        </p:txBody>
+      </p:sp>
       <p:pic>
         <p:nvPicPr>
-          <p:cNvPr descr="" id="106" name=""/>
+          <p:cNvPr descr="" id="113" name=""/>
           <p:cNvPicPr/>
           <p:nvPr/>
         </p:nvPicPr>
@@ -3783,17 +4105,44 @@
         </p:blipFill>
         <p:spPr>
           <a:xfrm>
-            <a:off x="4294080" y="833040"/>
-            <a:ext cx="1234440" cy="768240"/>
+            <a:off x="695520" y="5422680"/>
+            <a:ext cx="1600560" cy="1060200"/>
           </a:xfrm>
           <a:prstGeom prst="rect">
             <a:avLst/>
           </a:prstGeom>
         </p:spPr>
       </p:pic>
+      <p:sp>
+        <p:nvSpPr>
+          <p:cNvPr id="114" name="TextShape 21"/>
+          <p:cNvSpPr txBox="1"/>
+          <p:nvPr/>
+        </p:nvSpPr>
+        <p:spPr>
+          <a:xfrm>
+            <a:off x="137160" y="6508440"/>
+            <a:ext cx="2606040" cy="189360"/>
+          </a:xfrm>
+          <a:prstGeom prst="rect">
+            <a:avLst/>
+          </a:prstGeom>
+        </p:spPr>
+        <p:txBody>
+          <a:bodyPr bIns="45000" lIns="90000" rIns="90000" tIns="45000" wrap="none"/>
+          <a:p>
+            <a:pPr algn="ctr"/>
+            <a:r>
+              <a:rPr lang="en-US" sz="700"/>
+              <a:t>A possible halfway point in the eversion process.</a:t>
+            </a:r>
+            <a:endParaRPr/>
+          </a:p>
+        </p:txBody>
+      </p:sp>
       <p:pic>
         <p:nvPicPr>
-          <p:cNvPr descr="" id="107" name=""/>
+          <p:cNvPr descr="" id="115" name=""/>
           <p:cNvPicPr/>
           <p:nvPr/>
         </p:nvPicPr>
@@ -3805,17 +4154,51 @@
         </p:blipFill>
         <p:spPr>
           <a:xfrm>
-            <a:off x="2991240" y="1791720"/>
-            <a:ext cx="1234440" cy="612720"/>
+            <a:off x="5965200" y="825840"/>
+            <a:ext cx="914400" cy="914400"/>
           </a:xfrm>
           <a:prstGeom prst="rect">
             <a:avLst/>
           </a:prstGeom>
         </p:spPr>
       </p:pic>
+      <p:sp>
+        <p:nvSpPr>
+          <p:cNvPr id="116" name="TextShape 22"/>
+          <p:cNvSpPr txBox="1"/>
+          <p:nvPr/>
+        </p:nvSpPr>
+        <p:spPr>
+          <a:xfrm>
+            <a:off x="5919840" y="446400"/>
+            <a:ext cx="3383280" cy="347400"/>
+          </a:xfrm>
+          <a:prstGeom prst="rect">
+            <a:avLst/>
+          </a:prstGeom>
+        </p:spPr>
+        <p:txBody>
+          <a:bodyPr bIns="45000" lIns="90000" rIns="90000" tIns="45000" wrap="none"/>
+          <a:p>
+            <a:r>
+              <a:rPr b="1" lang="en-US" sz="600"/>
+              <a:t>A halfway point:</a:t>
+            </a:r>
+            <a:r>
+              <a:rPr lang="en-US" sz="600"/>
+              <a:t> </a:t>
+            </a:r>
+            <a:r>
+              <a:rPr lang="en-US" sz="600"/>
+              <a:t>First approach. Model two arms as separate, non-closed space curves, connected by end caps (not shown). Minimize  bending and twist of each arm separately. Both arms incur 180° twist for a total of 360° twist across both arms.</a:t>
+            </a:r>
+            <a:endParaRPr/>
+          </a:p>
+        </p:txBody>
+      </p:sp>
       <p:pic>
         <p:nvPicPr>
-          <p:cNvPr descr="" id="108" name=""/>
+          <p:cNvPr descr="" id="117" name=""/>
           <p:cNvPicPr/>
           <p:nvPr/>
         </p:nvPicPr>
@@ -3827,17 +4210,43 @@
         </p:blipFill>
         <p:spPr>
           <a:xfrm>
-            <a:off x="4293720" y="1787040"/>
-            <a:ext cx="1234440" cy="612720"/>
+            <a:off x="8000640" y="819000"/>
+            <a:ext cx="612720" cy="914400"/>
           </a:xfrm>
           <a:prstGeom prst="rect">
             <a:avLst/>
           </a:prstGeom>
         </p:spPr>
       </p:pic>
+      <p:sp>
+        <p:nvSpPr>
+          <p:cNvPr id="118" name="TextShape 23"/>
+          <p:cNvSpPr txBox="1"/>
+          <p:nvPr/>
+        </p:nvSpPr>
+        <p:spPr>
+          <a:xfrm>
+            <a:off x="8701920" y="779040"/>
+            <a:ext cx="624960" cy="1028520"/>
+          </a:xfrm>
+          <a:prstGeom prst="rect">
+            <a:avLst/>
+          </a:prstGeom>
+        </p:spPr>
+        <p:txBody>
+          <a:bodyPr bIns="45000" lIns="90000" rIns="90000" tIns="45000" wrap="none"/>
+          <a:p>
+            <a:r>
+              <a:rPr lang="en-US" sz="600"/>
+              <a:t>The stripe on the right arm is shown here. If an ant were to walk on the stripe, it would end up rotating 180°.</a:t>
+            </a:r>
+            <a:endParaRPr/>
+          </a:p>
+        </p:txBody>
+      </p:sp>
       <p:pic>
         <p:nvPicPr>
-          <p:cNvPr descr="" id="109" name=""/>
+          <p:cNvPr descr="" id="119" name=""/>
           <p:cNvPicPr/>
           <p:nvPr/>
         </p:nvPicPr>
@@ -3849,8 +4258,8 @@
         </p:blipFill>
         <p:spPr>
           <a:xfrm>
-            <a:off x="4143240" y="2738160"/>
-            <a:ext cx="1234440" cy="612720"/>
+            <a:off x="6998760" y="829080"/>
+            <a:ext cx="914400" cy="914400"/>
           </a:xfrm>
           <a:prstGeom prst="rect">
             <a:avLst/>
@@ -3859,14 +4268,14 @@
       </p:pic>
       <p:sp>
         <p:nvSpPr>
-          <p:cNvPr id="110" name="TextShape 14"/>
+          <p:cNvPr id="120" name="TextShape 24"/>
           <p:cNvSpPr txBox="1"/>
           <p:nvPr/>
         </p:nvSpPr>
         <p:spPr>
           <a:xfrm>
-            <a:off x="2834640" y="3563280"/>
-            <a:ext cx="2787840" cy="983160"/>
+            <a:off x="5893200" y="1824840"/>
+            <a:ext cx="3383280" cy="347400"/>
           </a:xfrm>
           <a:prstGeom prst="rect">
             <a:avLst/>
@@ -3875,147 +4284,13 @@
         <p:txBody>
           <a:bodyPr bIns="45000" lIns="90000" rIns="90000" tIns="45000" wrap="none"/>
           <a:p>
-            <a:pPr algn="ctr"/>
-            <a:r>
-              <a:rPr b="1" lang="en-US" sz="1300">
-                <a:solidFill>
-                  <a:srgbClr val="99284c"/>
-                </a:solidFill>
-              </a:rPr>
-              <a:t>Gradient Descent</a:t>
-            </a:r>
-            <a:endParaRPr/>
-          </a:p>
-          <a:p>
-            <a:endParaRPr/>
-          </a:p>
-          <a:p>
-            <a:pPr>
-              <a:buSzPct val="45000"/>
-              <a:buFont typeface="StarSymbol"/>
-              <a:buChar char=""/>
-            </a:pPr>
-            <a:r>
-              <a:rPr lang="en-US" sz="700"/>
-              <a:t>Surfaces represented as polylines with circular cross-sections</a:t>
-            </a:r>
-            <a:endParaRPr/>
-          </a:p>
-          <a:p>
-            <a:pPr>
-              <a:buSzPct val="45000"/>
-              <a:buFont typeface="StarSymbol"/>
-              <a:buChar char=""/>
-            </a:pPr>
-            <a:r>
-              <a:rPr lang="en-US" sz="700"/>
-              <a:t>Optimization via Gradient Descent</a:t>
-            </a:r>
-            <a:endParaRPr/>
-          </a:p>
-          <a:p>
-            <a:pPr lvl="1">
-              <a:buSzPct val="45000"/>
-              <a:buFont typeface="StarSymbol"/>
-              <a:buChar char=""/>
-            </a:pPr>
-            <a:r>
-              <a:rPr lang="en-US" sz="700"/>
-              <a:t>Vary the coordinates of each control point (parameters), revert change  if energy does not decrease</a:t>
-            </a:r>
-            <a:endParaRPr/>
-          </a:p>
-          <a:p>
-            <a:pPr lvl="1">
-              <a:buSzPct val="45000"/>
-              <a:buFont typeface="StarSymbol"/>
-              <a:buChar char=""/>
-            </a:pPr>
-            <a:r>
-              <a:rPr lang="en-US" sz="700"/>
-              <a:t>Iterate, then stop when no decrease possible</a:t>
-            </a:r>
-            <a:endParaRPr/>
-          </a:p>
-          <a:p>
-            <a:pPr lvl="1">
-              <a:buSzPct val="45000"/>
-              <a:buFont typeface="StarSymbol"/>
-              <a:buChar char=""/>
-            </a:pPr>
-            <a:r>
-              <a:rPr lang="en-US" sz="700"/>
-              <a:t>Susceptible to local </a:t>
-            </a:r>
-            <a:r>
-              <a:rPr lang="en-US" sz="700"/>
-              <a:t>minima</a:t>
-            </a:r>
-            <a:r>
-              <a:rPr lang="en-US" sz="700"/>
-              <a:t> in energy functional</a:t>
-            </a:r>
-            <a:endParaRPr/>
-          </a:p>
-        </p:txBody>
-      </p:sp>
-      <p:sp>
-        <p:nvSpPr>
-          <p:cNvPr id="111" name="TextShape 15"/>
-          <p:cNvSpPr txBox="1"/>
-          <p:nvPr/>
-        </p:nvSpPr>
-        <p:spPr>
-          <a:xfrm>
-            <a:off x="5761440" y="4679280"/>
-            <a:ext cx="3611160" cy="744480"/>
-          </a:xfrm>
-          <a:prstGeom prst="rect">
-            <a:avLst/>
-          </a:prstGeom>
-        </p:spPr>
-        <p:txBody>
-          <a:bodyPr bIns="45000" lIns="90000" rIns="90000" tIns="45000" wrap="none"/>
-          <a:p>
-            <a:pPr algn="ctr"/>
-            <a:r>
-              <a:rPr b="1" lang="en-US" sz="1300">
-                <a:solidFill>
-                  <a:srgbClr val="314004"/>
-                </a:solidFill>
-              </a:rPr>
-              <a:t>Future Work</a:t>
-            </a:r>
-            <a:endParaRPr/>
-          </a:p>
-          <a:p>
-            <a:endParaRPr/>
-          </a:p>
-          <a:p>
-            <a:pPr>
-              <a:buSzPct val="45000"/>
-              <a:buFont typeface="StarSymbol"/>
-              <a:buChar char=""/>
-            </a:pPr>
-            <a:r>
-              <a:rPr lang="en-US" sz="800"/>
-              <a:t>Fully gridded parameterization of surface</a:t>
-            </a:r>
-            <a:endParaRPr/>
-          </a:p>
-          <a:p>
-            <a:pPr lvl="1">
-              <a:buSzPct val="45000"/>
-              <a:buFont typeface="StarSymbol"/>
-              <a:buChar char=""/>
-            </a:pPr>
-            <a:r>
-              <a:rPr lang="en-US" sz="800"/>
-              <a:t>Requires many control points, so many parameters over which to optimize</a:t>
-            </a:r>
-            <a:r>
-              <a:rPr lang="en-US" sz="1000"/>
-              <a:t> </a:t>
+            <a:r>
+              <a:rPr b="1" lang="en-US" sz="600"/>
+              <a:t>Straightening out one arm:</a:t>
+            </a:r>
+            <a:r>
+              <a:rPr lang="en-US" sz="600"/>
+              <a:t> By allowing the green arm to straighten and the end caps to come closer together, the red arm is forced to incur all 360° of twist. The twist is then removed by folding the red arm until it is untwisted.</a:t>
             </a:r>
             <a:endParaRPr/>
           </a:p>
@@ -4023,7 +4298,7 @@
       </p:sp>
       <p:pic>
         <p:nvPicPr>
-          <p:cNvPr descr="" id="112" name=""/>
+          <p:cNvPr descr="" id="121" name=""/>
           <p:cNvPicPr/>
           <p:nvPr/>
         </p:nvPicPr>
@@ -4035,24 +4310,90 @@
         </p:blipFill>
         <p:spPr>
           <a:xfrm>
-            <a:off x="769320" y="3989160"/>
-            <a:ext cx="1463040" cy="1060560"/>
+            <a:off x="5831280" y="2178000"/>
+            <a:ext cx="914400" cy="914400"/>
           </a:xfrm>
           <a:prstGeom prst="rect">
             <a:avLst/>
           </a:prstGeom>
         </p:spPr>
       </p:pic>
-      <p:sp>
-        <p:nvSpPr>
-          <p:cNvPr id="113" name="TextShape 16"/>
+      <p:pic>
+        <p:nvPicPr>
+          <p:cNvPr descr="" id="122" name=""/>
+          <p:cNvPicPr/>
+          <p:nvPr/>
+        </p:nvPicPr>
+        <p:blipFill>
+          <a:blip r:embed="rId7"/>
+          <a:stretch>
+            <a:fillRect/>
+          </a:stretch>
+        </p:blipFill>
+        <p:spPr>
+          <a:xfrm>
+            <a:off x="7631280" y="2178000"/>
+            <a:ext cx="914400" cy="914400"/>
+          </a:xfrm>
+          <a:prstGeom prst="rect">
+            <a:avLst/>
+          </a:prstGeom>
+        </p:spPr>
+      </p:pic>
+      <p:pic>
+        <p:nvPicPr>
+          <p:cNvPr descr="" id="123" name=""/>
+          <p:cNvPicPr/>
+          <p:nvPr/>
+        </p:nvPicPr>
+        <p:blipFill>
+          <a:blip r:embed="rId8"/>
+          <a:stretch>
+            <a:fillRect/>
+          </a:stretch>
+        </p:blipFill>
+        <p:spPr>
+          <a:xfrm>
+            <a:off x="8459280" y="2178000"/>
+            <a:ext cx="914400" cy="914400"/>
+          </a:xfrm>
+          <a:prstGeom prst="rect">
+            <a:avLst/>
+          </a:prstGeom>
+        </p:spPr>
+      </p:pic>
+      <p:pic>
+        <p:nvPicPr>
+          <p:cNvPr descr="" id="124" name=""/>
+          <p:cNvPicPr/>
+          <p:nvPr/>
+        </p:nvPicPr>
+        <p:blipFill>
+          <a:blip r:embed="rId9"/>
+          <a:stretch>
+            <a:fillRect/>
+          </a:stretch>
+        </p:blipFill>
+        <p:spPr>
+          <a:xfrm>
+            <a:off x="6739200" y="2182320"/>
+            <a:ext cx="914400" cy="914400"/>
+          </a:xfrm>
+          <a:prstGeom prst="rect">
+            <a:avLst/>
+          </a:prstGeom>
+        </p:spPr>
+      </p:pic>
+      <p:sp>
+        <p:nvSpPr>
+          <p:cNvPr id="125" name="TextShape 25"/>
           <p:cNvSpPr txBox="1"/>
           <p:nvPr/>
         </p:nvSpPr>
         <p:spPr>
           <a:xfrm>
-            <a:off x="1089360" y="4034880"/>
-            <a:ext cx="914400" cy="176040"/>
+            <a:off x="5812200" y="4275360"/>
+            <a:ext cx="3520440" cy="307440"/>
           </a:xfrm>
           <a:prstGeom prst="rect">
             <a:avLst/>
@@ -4061,25 +4402,384 @@
         <p:txBody>
           <a:bodyPr bIns="45000" lIns="90000" rIns="90000" tIns="45000" wrap="none"/>
           <a:p>
-            <a:pPr algn="ctr"/>
             <a:r>
               <a:rPr b="1" lang="en-US" sz="600"/>
-              <a:t>Klein-bottle mouths</a:t>
-            </a:r>
-            <a:endParaRPr/>
-          </a:p>
-        </p:txBody>
-      </p:sp>
-      <p:sp>
-        <p:nvSpPr>
-          <p:cNvPr id="114" name="Line 17"/>
+              <a:t>Collapsing the straight arm:</a:t>
+            </a:r>
+            <a:r>
+              <a:rPr lang="en-US" sz="600"/>
+              <a:t> Finally, the green arm is shortened until it completely collapses and only the inverted torus remains.</a:t>
+            </a:r>
+            <a:endParaRPr/>
+          </a:p>
+        </p:txBody>
+      </p:sp>
+      <p:pic>
+        <p:nvPicPr>
+          <p:cNvPr descr="" id="126" name=""/>
+          <p:cNvPicPr/>
+          <p:nvPr/>
+        </p:nvPicPr>
+        <p:blipFill>
+          <a:blip r:embed="rId10"/>
+          <a:stretch>
+            <a:fillRect/>
+          </a:stretch>
+        </p:blipFill>
+        <p:spPr>
+          <a:xfrm>
+            <a:off x="7039800" y="3175560"/>
+            <a:ext cx="1097280" cy="1097280"/>
+          </a:xfrm>
+          <a:prstGeom prst="rect">
+            <a:avLst/>
+          </a:prstGeom>
+        </p:spPr>
+      </p:pic>
+      <p:pic>
+        <p:nvPicPr>
+          <p:cNvPr descr="" id="127" name=""/>
+          <p:cNvPicPr/>
+          <p:nvPr/>
+        </p:nvPicPr>
+        <p:blipFill>
+          <a:blip r:embed="rId11"/>
+          <a:stretch>
+            <a:fillRect/>
+          </a:stretch>
+        </p:blipFill>
+        <p:spPr>
+          <a:xfrm>
+            <a:off x="5851080" y="3175920"/>
+            <a:ext cx="1097280" cy="1097280"/>
+          </a:xfrm>
+          <a:prstGeom prst="rect">
+            <a:avLst/>
+          </a:prstGeom>
+        </p:spPr>
+      </p:pic>
+      <p:pic>
+        <p:nvPicPr>
+          <p:cNvPr descr="" id="128" name=""/>
+          <p:cNvPicPr/>
+          <p:nvPr/>
+        </p:nvPicPr>
+        <p:blipFill>
+          <a:blip r:embed="rId12"/>
+          <a:stretch>
+            <a:fillRect/>
+          </a:stretch>
+        </p:blipFill>
+        <p:spPr>
+          <a:xfrm>
+            <a:off x="8235360" y="3175560"/>
+            <a:ext cx="1097280" cy="1097280"/>
+          </a:xfrm>
+          <a:prstGeom prst="rect">
+            <a:avLst/>
+          </a:prstGeom>
+        </p:spPr>
+      </p:pic>
+      <p:pic>
+        <p:nvPicPr>
+          <p:cNvPr descr="" id="129" name=""/>
+          <p:cNvPicPr/>
+          <p:nvPr/>
+        </p:nvPicPr>
+        <p:blipFill>
+          <a:blip r:embed="rId13"/>
+          <a:stretch>
+            <a:fillRect/>
+          </a:stretch>
+        </p:blipFill>
+        <p:spPr>
+          <a:xfrm>
+            <a:off x="3012480" y="4845600"/>
+            <a:ext cx="685440" cy="685440"/>
+          </a:xfrm>
+          <a:prstGeom prst="rect">
+            <a:avLst/>
+          </a:prstGeom>
+        </p:spPr>
+      </p:pic>
+      <p:pic>
+        <p:nvPicPr>
+          <p:cNvPr descr="" id="130" name=""/>
+          <p:cNvPicPr/>
+          <p:nvPr/>
+        </p:nvPicPr>
+        <p:blipFill>
+          <a:blip r:embed="rId14"/>
+          <a:stretch>
+            <a:fillRect/>
+          </a:stretch>
+        </p:blipFill>
+        <p:spPr>
+          <a:xfrm>
+            <a:off x="3687840" y="4887000"/>
+            <a:ext cx="566640" cy="603000"/>
+          </a:xfrm>
+          <a:prstGeom prst="rect">
+            <a:avLst/>
+          </a:prstGeom>
+        </p:spPr>
+      </p:pic>
+      <p:pic>
+        <p:nvPicPr>
+          <p:cNvPr descr="" id="131" name=""/>
+          <p:cNvPicPr/>
+          <p:nvPr/>
+        </p:nvPicPr>
+        <p:blipFill>
+          <a:blip r:embed="rId15"/>
+          <a:stretch>
+            <a:fillRect/>
+          </a:stretch>
+        </p:blipFill>
+        <p:spPr>
+          <a:xfrm>
+            <a:off x="4197240" y="4831200"/>
+            <a:ext cx="685440" cy="731160"/>
+          </a:xfrm>
+          <a:prstGeom prst="rect">
+            <a:avLst/>
+          </a:prstGeom>
+        </p:spPr>
+      </p:pic>
+      <p:pic>
+        <p:nvPicPr>
+          <p:cNvPr descr="" id="132" name=""/>
+          <p:cNvPicPr/>
+          <p:nvPr/>
+        </p:nvPicPr>
+        <p:blipFill>
+          <a:blip r:embed="rId16"/>
+          <a:stretch>
+            <a:fillRect/>
+          </a:stretch>
+        </p:blipFill>
+        <p:spPr>
+          <a:xfrm>
+            <a:off x="4854240" y="4875120"/>
+            <a:ext cx="633240" cy="677520"/>
+          </a:xfrm>
+          <a:prstGeom prst="rect">
+            <a:avLst/>
+          </a:prstGeom>
+        </p:spPr>
+      </p:pic>
+      <p:sp>
+        <p:nvSpPr>
+          <p:cNvPr id="133" name="TextShape 26"/>
+          <p:cNvSpPr txBox="1"/>
+          <p:nvPr/>
+        </p:nvSpPr>
+        <p:spPr>
+          <a:xfrm>
+            <a:off x="2834640" y="5615280"/>
+            <a:ext cx="2744640" cy="1082160"/>
+          </a:xfrm>
+          <a:prstGeom prst="rect">
+            <a:avLst/>
+          </a:prstGeom>
+        </p:spPr>
+        <p:txBody>
+          <a:bodyPr bIns="45000" lIns="90000" rIns="90000" tIns="45000" wrap="none"/>
+          <a:p>
+            <a:pPr algn="ctr"/>
+            <a:r>
+              <a:rPr b="1" lang="en-US" sz="1300">
+                <a:solidFill>
+                  <a:srgbClr val="99284c"/>
+                </a:solidFill>
+              </a:rPr>
+              <a:t>Energy Functionals</a:t>
+            </a:r>
+            <a:endParaRPr/>
+          </a:p>
+          <a:p>
+            <a:endParaRPr/>
+          </a:p>
+          <a:p>
+            <a:pPr>
+              <a:buSzPct val="45000"/>
+              <a:buFont typeface="StarSymbol"/>
+              <a:buChar char=""/>
+            </a:pPr>
+            <a:r>
+              <a:rPr b="1" lang="en-US" sz="700"/>
+              <a:t>Bending:</a:t>
+            </a:r>
+            <a:r>
+              <a:rPr lang="en-US" sz="700"/>
+              <a:t> Compute angle between two struts and take deviation from collinearity</a:t>
+            </a:r>
+            <a:endParaRPr/>
+          </a:p>
+          <a:p>
+            <a:pPr>
+              <a:buSzPct val="45000"/>
+              <a:buFont typeface="StarSymbol"/>
+              <a:buChar char=""/>
+            </a:pPr>
+            <a:r>
+              <a:rPr b="1" lang="en-US" sz="700"/>
+              <a:t>Twisting:</a:t>
+            </a:r>
+            <a:r>
+              <a:rPr lang="en-US" sz="700"/>
+              <a:t> Using rotation minimizing frames,</a:t>
+            </a:r>
+            <a:endParaRPr/>
+          </a:p>
+          <a:p>
+            <a:pPr lvl="1">
+              <a:buSzPct val="45000"/>
+              <a:buFont typeface="StarSymbol"/>
+              <a:buChar char=""/>
+            </a:pPr>
+            <a:r>
+              <a:rPr lang="en-US" sz="700"/>
+              <a:t>Closed Curves: compare beginning and end orientations</a:t>
+            </a:r>
+            <a:endParaRPr/>
+          </a:p>
+          <a:p>
+            <a:pPr lvl="1">
+              <a:buSzPct val="45000"/>
+              <a:buFont typeface="StarSymbol"/>
+              <a:buChar char=""/>
+            </a:pPr>
+            <a:r>
+              <a:rPr lang="en-US" sz="700"/>
+              <a:t>Non-closed curves: forward project normal vectors and compare to a priori expected ending orientation</a:t>
+            </a:r>
+            <a:endParaRPr/>
+          </a:p>
+          <a:p>
+            <a:pPr>
+              <a:buSzPct val="45000"/>
+              <a:buFont typeface="StarSymbol"/>
+              <a:buChar char=""/>
+            </a:pPr>
+            <a:r>
+              <a:rPr lang="en-US" sz="700"/>
+              <a:t>Can weigh these parts to trade-off between them</a:t>
+            </a:r>
+            <a:endParaRPr/>
+          </a:p>
+        </p:txBody>
+      </p:sp>
+      <p:sp>
+        <p:nvSpPr>
+          <p:cNvPr id="134" name="TextShape 27"/>
+          <p:cNvSpPr txBox="1"/>
+          <p:nvPr/>
+        </p:nvSpPr>
+        <p:spPr>
+          <a:xfrm>
+            <a:off x="6337440" y="6171480"/>
+            <a:ext cx="868680" cy="433080"/>
+          </a:xfrm>
+          <a:prstGeom prst="rect">
+            <a:avLst/>
+          </a:prstGeom>
+        </p:spPr>
+        <p:txBody>
+          <a:bodyPr bIns="45000" lIns="90000" rIns="90000" tIns="45000" wrap="none"/>
+          <a:p>
+            <a:r>
+              <a:rPr lang="en-US" sz="600"/>
+              <a:t>Bending calculated as deviation of adjacent patches from co-planarity</a:t>
+            </a:r>
+            <a:endParaRPr/>
+          </a:p>
+        </p:txBody>
+      </p:sp>
+      <p:sp>
+        <p:nvSpPr>
+          <p:cNvPr id="135" name="TextShape 28"/>
+          <p:cNvSpPr txBox="1"/>
+          <p:nvPr/>
+        </p:nvSpPr>
+        <p:spPr>
+          <a:xfrm>
+            <a:off x="8065800" y="6171840"/>
+            <a:ext cx="868680" cy="433080"/>
+          </a:xfrm>
+          <a:prstGeom prst="rect">
+            <a:avLst/>
+          </a:prstGeom>
+        </p:spPr>
+        <p:txBody>
+          <a:bodyPr bIns="45000" lIns="90000" rIns="90000" tIns="45000" wrap="none"/>
+          <a:p>
+            <a:r>
+              <a:rPr lang="en-US" sz="600"/>
+              <a:t>Twisting calculated based on deviation of edges from right angles.</a:t>
+            </a:r>
+            <a:endParaRPr/>
+          </a:p>
+        </p:txBody>
+      </p:sp>
+      <p:pic>
+        <p:nvPicPr>
+          <p:cNvPr descr="" id="136" name=""/>
+          <p:cNvPicPr/>
+          <p:nvPr/>
+        </p:nvPicPr>
+        <p:blipFill>
+          <a:blip r:embed="rId17"/>
+          <a:stretch>
+            <a:fillRect/>
+          </a:stretch>
+        </p:blipFill>
+        <p:spPr>
+          <a:xfrm>
+            <a:off x="6455520" y="5449680"/>
+            <a:ext cx="2286000" cy="768240"/>
+          </a:xfrm>
+          <a:prstGeom prst="rect">
+            <a:avLst/>
+          </a:prstGeom>
+        </p:spPr>
+      </p:pic>
+      <p:sp>
+        <p:nvSpPr>
+          <p:cNvPr id="137" name="TextShape 29"/>
+          <p:cNvSpPr txBox="1"/>
+          <p:nvPr/>
+        </p:nvSpPr>
+        <p:spPr>
+          <a:xfrm>
+            <a:off x="7183080" y="6439680"/>
+            <a:ext cx="891720" cy="261720"/>
+          </a:xfrm>
+          <a:prstGeom prst="rect">
+            <a:avLst/>
+          </a:prstGeom>
+        </p:spPr>
+        <p:txBody>
+          <a:bodyPr bIns="45000" lIns="90000" rIns="90000" tIns="45000" wrap="none"/>
+          <a:p>
+            <a:r>
+              <a:rPr lang="en-US" sz="600"/>
+              <a:t>Integrate these over entire surface area</a:t>
+            </a:r>
+            <a:endParaRPr/>
+          </a:p>
+        </p:txBody>
+      </p:sp>
+      <p:sp>
+        <p:nvSpPr>
+          <p:cNvPr id="138" name="Line 30"/>
           <p:cNvSpPr/>
           <p:nvPr/>
         </p:nvSpPr>
         <p:spPr>
-          <a:xfrm>
-            <a:off x="1203840" y="4172040"/>
-            <a:ext cx="45720" cy="274320"/>
+          <a:xfrm flipH="1" flipV="1">
+            <a:off x="7114680" y="6335640"/>
+            <a:ext cx="137160" cy="137160"/>
           </a:xfrm>
           <a:prstGeom prst="line">
             <a:avLst/>
@@ -4095,14 +4795,14 @@
       </p:sp>
       <p:sp>
         <p:nvSpPr>
-          <p:cNvPr id="115" name="Line 18"/>
+          <p:cNvPr id="139" name="Line 31"/>
           <p:cNvSpPr/>
           <p:nvPr/>
         </p:nvSpPr>
         <p:spPr>
-          <a:xfrm>
-            <a:off x="1912320" y="4172040"/>
-            <a:ext cx="0" cy="502920"/>
+          <a:xfrm flipV="1">
+            <a:off x="8006040" y="6312600"/>
+            <a:ext cx="114480" cy="127080"/>
           </a:xfrm>
           <a:prstGeom prst="line">
             <a:avLst/>
@@ -4118,14 +4818,14 @@
       </p:sp>
       <p:sp>
         <p:nvSpPr>
-          <p:cNvPr id="116" name="TextShape 19"/>
+          <p:cNvPr id="140" name="TextShape 32"/>
           <p:cNvSpPr txBox="1"/>
           <p:nvPr/>
         </p:nvSpPr>
         <p:spPr>
           <a:xfrm>
-            <a:off x="695520" y="5072040"/>
-            <a:ext cx="1600200" cy="288360"/>
+            <a:off x="3040200" y="4559040"/>
+            <a:ext cx="2539080" cy="261720"/>
           </a:xfrm>
           <a:prstGeom prst="rect">
             <a:avLst/>
@@ -4135,44 +4835,71 @@
           <a:bodyPr bIns="45000" lIns="90000" rIns="90000" tIns="45000" wrap="none"/>
           <a:p>
             <a:r>
-              <a:rPr lang="en-US" sz="700"/>
-              <a:t>Torus eversion, rendered by Chéritat</a:t>
-            </a:r>
-            <a:endParaRPr/>
-          </a:p>
-        </p:txBody>
-      </p:sp>
-      <p:sp>
-        <p:nvSpPr>
-          <p:cNvPr id="117" name="CustomShape 20"/>
-          <p:cNvSpPr/>
-          <p:nvPr/>
-        </p:nvSpPr>
-        <p:spPr>
-          <a:xfrm>
-            <a:off x="180000" y="3215520"/>
-            <a:ext cx="2563200" cy="739800"/>
-          </a:xfrm>
-          <a:prstGeom prst="rect">
-            <a:avLst/>
-          </a:prstGeom>
-        </p:spPr>
-        <p:txBody>
-          <a:bodyPr bIns="45000" lIns="90000" rIns="90000" tIns="45000"/>
+              <a:rPr lang="en-US" sz="600"/>
+              <a:t>A highly twisted and bent curve unfolds into a circle with no twist, using gradient descent.</a:t>
+            </a:r>
+            <a:endParaRPr/>
+          </a:p>
+        </p:txBody>
+      </p:sp>
+      <p:sp>
+        <p:nvSpPr>
+          <p:cNvPr id="141" name="TextShape 33"/>
+          <p:cNvSpPr txBox="1"/>
+          <p:nvPr/>
+        </p:nvSpPr>
+        <p:spPr>
+          <a:xfrm>
+            <a:off x="5829120" y="179280"/>
+            <a:ext cx="3520440" cy="274680"/>
+          </a:xfrm>
+          <a:prstGeom prst="rect">
+            <a:avLst/>
+          </a:prstGeom>
+        </p:spPr>
+        <p:txBody>
+          <a:bodyPr bIns="45000" lIns="90000" rIns="90000" tIns="45000" wrap="none"/>
           <a:p>
             <a:pPr algn="ctr"/>
             <a:r>
               <a:rPr b="1" lang="en-US" sz="1300">
                 <a:solidFill>
+                  <a:srgbClr val="314004"/>
+                </a:solidFill>
+              </a:rPr>
+              <a:t>Optimizing the Eversion Process</a:t>
+            </a:r>
+            <a:endParaRPr/>
+          </a:p>
+        </p:txBody>
+      </p:sp>
+      <p:sp>
+        <p:nvSpPr>
+          <p:cNvPr id="142" name="TextShape 34"/>
+          <p:cNvSpPr txBox="1"/>
+          <p:nvPr/>
+        </p:nvSpPr>
+        <p:spPr>
+          <a:xfrm>
+            <a:off x="137160" y="1648800"/>
+            <a:ext cx="2606040" cy="1505160"/>
+          </a:xfrm>
+          <a:prstGeom prst="rect">
+            <a:avLst/>
+          </a:prstGeom>
+        </p:spPr>
+        <p:txBody>
+          <a:bodyPr bIns="45000" lIns="90000" rIns="90000" tIns="45000" wrap="none"/>
+          <a:p>
+            <a:pPr algn="ctr"/>
+            <a:r>
+              <a:rPr b="1" lang="en-US" sz="1300">
+                <a:solidFill>
                   <a:srgbClr val="000080"/>
                 </a:solidFill>
               </a:rPr>
-              <a:t>Torus Eversion</a:t>
-            </a:r>
-            <a:endParaRPr/>
-          </a:p>
-          <a:p>
-            <a:pPr algn="ctr"/>
+              <a:t>Smooth Transformations</a:t>
+            </a:r>
             <a:endParaRPr/>
           </a:p>
           <a:p>
@@ -4181,10 +4908,6 @@
               <a:buFont typeface="StarSymbol"/>
               <a:buChar char=""/>
             </a:pPr>
-            <a:r>
-              <a:rPr lang="en-US" sz="800"/>
-              <a:t>Turn an torus inside-out by deforming it into two Klein-bottle mouths attached to each other</a:t>
-            </a:r>
             <a:endParaRPr/>
           </a:p>
           <a:p>
@@ -4194,405 +4917,164 @@
               <a:buChar char=""/>
             </a:pPr>
             <a:r>
-              <a:rPr lang="en-US" sz="800"/>
-              <a:t>Proceed from halfway point by minimizing energy</a:t>
-            </a:r>
-            <a:endParaRPr/>
-          </a:p>
-        </p:txBody>
+              <a:rPr lang="en-US" sz="800">
+                <a:solidFill>
+                  <a:srgbClr val="000000"/>
+                </a:solidFill>
+              </a:rPr>
+              <a:t>Homotopy:smooth transformation from one surface to another without introducing sharp creases or tears</a:t>
+            </a:r>
+            <a:endParaRPr/>
+          </a:p>
+          <a:p>
+            <a:pPr>
+              <a:buSzPct val="45000"/>
+              <a:buFont typeface="StarSymbol"/>
+              <a:buChar char=""/>
+            </a:pPr>
+            <a:r>
+              <a:rPr lang="en-US" sz="800">
+                <a:solidFill>
+                  <a:srgbClr val="000000"/>
+                </a:solidFill>
+              </a:rPr>
+              <a:t>Want to visualize such transformations without specifying intermediate states, achieved by an optimization process over some energy functional</a:t>
+            </a:r>
+            <a:endParaRPr/>
+          </a:p>
+          <a:p>
+            <a:pPr>
+              <a:buSzPct val="45000"/>
+              <a:buFont typeface="StarSymbol"/>
+              <a:buChar char=""/>
+            </a:pPr>
+            <a:endParaRPr/>
+          </a:p>
+          <a:p>
+            <a:pPr>
+              <a:buSzPct val="45000"/>
+              <a:buFont typeface="StarSymbol"/>
+              <a:buChar char=""/>
+            </a:pPr>
+            <a:r>
+              <a:rPr lang="en-US" sz="800">
+                <a:solidFill>
+                  <a:srgbClr val="000000"/>
+                </a:solidFill>
+              </a:rPr>
+              <a:t>Everting a torus is a homotopy</a:t>
+            </a:r>
+            <a:endParaRPr/>
+          </a:p>
+          <a:p>
+            <a:pPr>
+              <a:buSzPct val="45000"/>
+              <a:buFont typeface="StarSymbol"/>
+              <a:buChar char=""/>
+            </a:pPr>
+            <a:r>
+              <a:rPr b="1" lang="en-US" sz="800">
+                <a:solidFill>
+                  <a:srgbClr val="000000"/>
+                </a:solidFill>
+              </a:rPr>
+              <a:t>Want to visualize eversion process proceeding </a:t>
+            </a:r>
+            <a:r>
+              <a:rPr b="1" i="1" lang="en-US" sz="800">
+                <a:solidFill>
+                  <a:srgbClr val="000000"/>
+                </a:solidFill>
+              </a:rPr>
+              <a:t>spontaneously</a:t>
+            </a:r>
+            <a:r>
+              <a:rPr b="1" lang="en-US" sz="800">
+                <a:solidFill>
+                  <a:srgbClr val="000000"/>
+                </a:solidFill>
+              </a:rPr>
+              <a:t> from some halfway point</a:t>
+            </a:r>
+            <a:endParaRPr/>
+          </a:p>
+        </p:txBody>
+      </p:sp>
+      <p:sp>
+        <p:nvSpPr>
+          <p:cNvPr id="143" name="TextShape 35"/>
+          <p:cNvSpPr txBox="1"/>
+          <p:nvPr/>
+        </p:nvSpPr>
+        <p:spPr>
+          <a:xfrm>
+            <a:off x="3177360" y="2738160"/>
+            <a:ext cx="937080" cy="176040"/>
+          </a:xfrm>
+          <a:prstGeom prst="rect">
+            <a:avLst/>
+          </a:prstGeom>
+        </p:spPr>
+        <p:txBody>
+          <a:bodyPr bIns="45000" lIns="90000" rIns="90000" tIns="45000" wrap="none"/>
+          <a:p>
+            <a:r>
+              <a:rPr lang="en-US" sz="600"/>
+              <a:t>Same homotopy class</a:t>
+            </a:r>
+            <a:endParaRPr/>
+          </a:p>
+        </p:txBody>
+      </p:sp>
+      <p:sp>
+        <p:nvSpPr>
+          <p:cNvPr id="144" name="Line 36"/>
+          <p:cNvSpPr/>
+          <p:nvPr/>
+        </p:nvSpPr>
+        <p:spPr>
+          <a:xfrm flipH="1" flipV="1">
+            <a:off x="3190680" y="2642040"/>
+            <a:ext cx="68400" cy="132120"/>
+          </a:xfrm>
+          <a:prstGeom prst="line">
+            <a:avLst/>
+          </a:prstGeom>
+          <a:ln w="9000">
+            <a:solidFill>
+              <a:srgbClr val="000000"/>
+            </a:solidFill>
+            <a:round/>
+            <a:tailEnd len="med" type="triangle" w="med"/>
+          </a:ln>
+        </p:spPr>
+      </p:sp>
+      <p:sp>
+        <p:nvSpPr>
+          <p:cNvPr id="145" name="Line 37"/>
+          <p:cNvSpPr/>
+          <p:nvPr/>
+        </p:nvSpPr>
+        <p:spPr>
+          <a:xfrm>
+            <a:off x="3533400" y="2907360"/>
+            <a:ext cx="91440" cy="137880"/>
+          </a:xfrm>
+          <a:prstGeom prst="line">
+            <a:avLst/>
+          </a:prstGeom>
+          <a:ln w="9000">
+            <a:solidFill>
+              <a:srgbClr val="000000"/>
+            </a:solidFill>
+            <a:round/>
+            <a:tailEnd len="med" type="triangle" w="med"/>
+          </a:ln>
+        </p:spPr>
       </p:sp>
       <p:pic>
         <p:nvPicPr>
-          <p:cNvPr descr="" id="118" name=""/>
-          <p:cNvPicPr/>
-          <p:nvPr/>
-        </p:nvPicPr>
-        <p:blipFill>
-          <a:blip r:embed="rId7"/>
-          <a:stretch>
-            <a:fillRect/>
-          </a:stretch>
-        </p:blipFill>
-        <p:spPr>
-          <a:xfrm>
-            <a:off x="695520" y="5314680"/>
-            <a:ext cx="1600560" cy="1060200"/>
-          </a:xfrm>
-          <a:prstGeom prst="rect">
-            <a:avLst/>
-          </a:prstGeom>
-        </p:spPr>
-      </p:pic>
-      <p:sp>
-        <p:nvSpPr>
-          <p:cNvPr id="119" name="TextShape 21"/>
-          <p:cNvSpPr txBox="1"/>
-          <p:nvPr/>
-        </p:nvSpPr>
-        <p:spPr>
-          <a:xfrm>
-            <a:off x="137160" y="6400440"/>
-            <a:ext cx="2606040" cy="288360"/>
-          </a:xfrm>
-          <a:prstGeom prst="rect">
-            <a:avLst/>
-          </a:prstGeom>
-        </p:spPr>
-        <p:txBody>
-          <a:bodyPr bIns="45000" lIns="90000" rIns="90000" tIns="45000" wrap="none"/>
-          <a:p>
-            <a:pPr algn="ctr"/>
-            <a:r>
-              <a:rPr lang="en-US" sz="700"/>
-              <a:t>Visualizing the Klein-bottle mouths. A possible halfway point in the eversion process.</a:t>
-            </a:r>
-            <a:endParaRPr/>
-          </a:p>
-        </p:txBody>
-      </p:sp>
-      <p:pic>
-        <p:nvPicPr>
-          <p:cNvPr descr="" id="120" name=""/>
-          <p:cNvPicPr/>
-          <p:nvPr/>
-        </p:nvPicPr>
-        <p:blipFill>
-          <a:blip r:embed="rId8"/>
-          <a:stretch>
-            <a:fillRect/>
-          </a:stretch>
-        </p:blipFill>
-        <p:spPr>
-          <a:xfrm>
-            <a:off x="5965200" y="825840"/>
-            <a:ext cx="914400" cy="914400"/>
-          </a:xfrm>
-          <a:prstGeom prst="rect">
-            <a:avLst/>
-          </a:prstGeom>
-        </p:spPr>
-      </p:pic>
-      <p:sp>
-        <p:nvSpPr>
-          <p:cNvPr id="121" name="TextShape 22"/>
-          <p:cNvSpPr txBox="1"/>
-          <p:nvPr/>
-        </p:nvSpPr>
-        <p:spPr>
-          <a:xfrm>
-            <a:off x="5919840" y="446400"/>
-            <a:ext cx="3383280" cy="347400"/>
-          </a:xfrm>
-          <a:prstGeom prst="rect">
-            <a:avLst/>
-          </a:prstGeom>
-        </p:spPr>
-        <p:txBody>
-          <a:bodyPr bIns="45000" lIns="90000" rIns="90000" tIns="45000" wrap="none"/>
-          <a:p>
-            <a:r>
-              <a:rPr b="1" lang="en-US" sz="600"/>
-              <a:t>A halfway point:</a:t>
-            </a:r>
-            <a:r>
-              <a:rPr lang="en-US" sz="600"/>
-              <a:t> </a:t>
-            </a:r>
-            <a:r>
-              <a:rPr lang="en-US" sz="600"/>
-              <a:t>First approach. Model two arms as separate, non-closed space curves, connected by end caps (not shown). Minimize  bending and twist of each arm separately. Both arms incur 180° twist for a total of 360° twist across both arms.</a:t>
-            </a:r>
-            <a:endParaRPr/>
-          </a:p>
-        </p:txBody>
-      </p:sp>
-      <p:pic>
-        <p:nvPicPr>
-          <p:cNvPr descr="" id="122" name=""/>
-          <p:cNvPicPr/>
-          <p:nvPr/>
-        </p:nvPicPr>
-        <p:blipFill>
-          <a:blip r:embed="rId9"/>
-          <a:stretch>
-            <a:fillRect/>
-          </a:stretch>
-        </p:blipFill>
-        <p:spPr>
-          <a:xfrm>
-            <a:off x="8000640" y="819000"/>
-            <a:ext cx="612720" cy="914400"/>
-          </a:xfrm>
-          <a:prstGeom prst="rect">
-            <a:avLst/>
-          </a:prstGeom>
-        </p:spPr>
-      </p:pic>
-      <p:sp>
-        <p:nvSpPr>
-          <p:cNvPr id="123" name="TextShape 23"/>
-          <p:cNvSpPr txBox="1"/>
-          <p:nvPr/>
-        </p:nvSpPr>
-        <p:spPr>
-          <a:xfrm>
-            <a:off x="8701920" y="779040"/>
-            <a:ext cx="624960" cy="1028520"/>
-          </a:xfrm>
-          <a:prstGeom prst="rect">
-            <a:avLst/>
-          </a:prstGeom>
-        </p:spPr>
-        <p:txBody>
-          <a:bodyPr bIns="45000" lIns="90000" rIns="90000" tIns="45000" wrap="none"/>
-          <a:p>
-            <a:r>
-              <a:rPr lang="en-US" sz="600"/>
-              <a:t>The stripe on the right arm is shown here. If an ant were to walk on the stripe, it would end up rotating 180°.</a:t>
-            </a:r>
-            <a:endParaRPr/>
-          </a:p>
-        </p:txBody>
-      </p:sp>
-      <p:pic>
-        <p:nvPicPr>
-          <p:cNvPr descr="" id="124" name=""/>
-          <p:cNvPicPr/>
-          <p:nvPr/>
-        </p:nvPicPr>
-        <p:blipFill>
-          <a:blip r:embed="rId10"/>
-          <a:stretch>
-            <a:fillRect/>
-          </a:stretch>
-        </p:blipFill>
-        <p:spPr>
-          <a:xfrm>
-            <a:off x="6998760" y="829080"/>
-            <a:ext cx="914400" cy="914400"/>
-          </a:xfrm>
-          <a:prstGeom prst="rect">
-            <a:avLst/>
-          </a:prstGeom>
-        </p:spPr>
-      </p:pic>
-      <p:sp>
-        <p:nvSpPr>
-          <p:cNvPr id="125" name="TextShape 24"/>
-          <p:cNvSpPr txBox="1"/>
-          <p:nvPr/>
-        </p:nvSpPr>
-        <p:spPr>
-          <a:xfrm>
-            <a:off x="5893200" y="1824840"/>
-            <a:ext cx="3383280" cy="347400"/>
-          </a:xfrm>
-          <a:prstGeom prst="rect">
-            <a:avLst/>
-          </a:prstGeom>
-        </p:spPr>
-        <p:txBody>
-          <a:bodyPr bIns="45000" lIns="90000" rIns="90000" tIns="45000" wrap="none"/>
-          <a:p>
-            <a:r>
-              <a:rPr b="1" lang="en-US" sz="600"/>
-              <a:t>Straightening out one arm:</a:t>
-            </a:r>
-            <a:r>
-              <a:rPr lang="en-US" sz="600"/>
-              <a:t> By allowing the green arm to straighten and the end caps to come closer together, the red arm is forced to incur all 360° of twist. The twist is then removed by folding the red arm until it is untwisted.</a:t>
-            </a:r>
-            <a:endParaRPr/>
-          </a:p>
-        </p:txBody>
-      </p:sp>
-      <p:pic>
-        <p:nvPicPr>
-          <p:cNvPr descr="" id="126" name=""/>
-          <p:cNvPicPr/>
-          <p:nvPr/>
-        </p:nvPicPr>
-        <p:blipFill>
-          <a:blip r:embed="rId11"/>
-          <a:stretch>
-            <a:fillRect/>
-          </a:stretch>
-        </p:blipFill>
-        <p:spPr>
-          <a:xfrm>
-            <a:off x="5831280" y="2178000"/>
-            <a:ext cx="914400" cy="914400"/>
-          </a:xfrm>
-          <a:prstGeom prst="rect">
-            <a:avLst/>
-          </a:prstGeom>
-        </p:spPr>
-      </p:pic>
-      <p:pic>
-        <p:nvPicPr>
-          <p:cNvPr descr="" id="127" name=""/>
-          <p:cNvPicPr/>
-          <p:nvPr/>
-        </p:nvPicPr>
-        <p:blipFill>
-          <a:blip r:embed="rId12"/>
-          <a:stretch>
-            <a:fillRect/>
-          </a:stretch>
-        </p:blipFill>
-        <p:spPr>
-          <a:xfrm>
-            <a:off x="7631280" y="2178000"/>
-            <a:ext cx="914400" cy="914400"/>
-          </a:xfrm>
-          <a:prstGeom prst="rect">
-            <a:avLst/>
-          </a:prstGeom>
-        </p:spPr>
-      </p:pic>
-      <p:pic>
-        <p:nvPicPr>
-          <p:cNvPr descr="" id="128" name=""/>
-          <p:cNvPicPr/>
-          <p:nvPr/>
-        </p:nvPicPr>
-        <p:blipFill>
-          <a:blip r:embed="rId13"/>
-          <a:stretch>
-            <a:fillRect/>
-          </a:stretch>
-        </p:blipFill>
-        <p:spPr>
-          <a:xfrm>
-            <a:off x="8459280" y="2178000"/>
-            <a:ext cx="914400" cy="914400"/>
-          </a:xfrm>
-          <a:prstGeom prst="rect">
-            <a:avLst/>
-          </a:prstGeom>
-        </p:spPr>
-      </p:pic>
-      <p:pic>
-        <p:nvPicPr>
-          <p:cNvPr descr="" id="129" name=""/>
-          <p:cNvPicPr/>
-          <p:nvPr/>
-        </p:nvPicPr>
-        <p:blipFill>
-          <a:blip r:embed="rId14"/>
-          <a:stretch>
-            <a:fillRect/>
-          </a:stretch>
-        </p:blipFill>
-        <p:spPr>
-          <a:xfrm>
-            <a:off x="6739200" y="2182320"/>
-            <a:ext cx="914400" cy="914400"/>
-          </a:xfrm>
-          <a:prstGeom prst="rect">
-            <a:avLst/>
-          </a:prstGeom>
-        </p:spPr>
-      </p:pic>
-      <p:sp>
-        <p:nvSpPr>
-          <p:cNvPr id="130" name="TextShape 25"/>
-          <p:cNvSpPr txBox="1"/>
-          <p:nvPr/>
-        </p:nvSpPr>
-        <p:spPr>
-          <a:xfrm>
-            <a:off x="5812200" y="4275360"/>
-            <a:ext cx="3520440" cy="307440"/>
-          </a:xfrm>
-          <a:prstGeom prst="rect">
-            <a:avLst/>
-          </a:prstGeom>
-        </p:spPr>
-        <p:txBody>
-          <a:bodyPr bIns="45000" lIns="90000" rIns="90000" tIns="45000" wrap="none"/>
-          <a:p>
-            <a:r>
-              <a:rPr b="1" lang="en-US" sz="600"/>
-              <a:t>Collapsing the straight arm:</a:t>
-            </a:r>
-            <a:r>
-              <a:rPr lang="en-US" sz="600"/>
-              <a:t> Finally, the green arm is shortened until it completely collapses and only the inverted torus remains.</a:t>
-            </a:r>
-            <a:endParaRPr/>
-          </a:p>
-        </p:txBody>
-      </p:sp>
-      <p:pic>
-        <p:nvPicPr>
-          <p:cNvPr descr="" id="131" name=""/>
-          <p:cNvPicPr/>
-          <p:nvPr/>
-        </p:nvPicPr>
-        <p:blipFill>
-          <a:blip r:embed="rId15"/>
-          <a:stretch>
-            <a:fillRect/>
-          </a:stretch>
-        </p:blipFill>
-        <p:spPr>
-          <a:xfrm>
-            <a:off x="7039800" y="3175560"/>
-            <a:ext cx="1097280" cy="1097280"/>
-          </a:xfrm>
-          <a:prstGeom prst="rect">
-            <a:avLst/>
-          </a:prstGeom>
-        </p:spPr>
-      </p:pic>
-      <p:pic>
-        <p:nvPicPr>
-          <p:cNvPr descr="" id="132" name=""/>
-          <p:cNvPicPr/>
-          <p:nvPr/>
-        </p:nvPicPr>
-        <p:blipFill>
-          <a:blip r:embed="rId16"/>
-          <a:stretch>
-            <a:fillRect/>
-          </a:stretch>
-        </p:blipFill>
-        <p:spPr>
-          <a:xfrm>
-            <a:off x="5851080" y="3175920"/>
-            <a:ext cx="1097280" cy="1097280"/>
-          </a:xfrm>
-          <a:prstGeom prst="rect">
-            <a:avLst/>
-          </a:prstGeom>
-        </p:spPr>
-      </p:pic>
-      <p:pic>
-        <p:nvPicPr>
-          <p:cNvPr descr="" id="133" name=""/>
-          <p:cNvPicPr/>
-          <p:nvPr/>
-        </p:nvPicPr>
-        <p:blipFill>
-          <a:blip r:embed="rId17"/>
-          <a:stretch>
-            <a:fillRect/>
-          </a:stretch>
-        </p:blipFill>
-        <p:spPr>
-          <a:xfrm>
-            <a:off x="8235360" y="3175560"/>
-            <a:ext cx="1097280" cy="1097280"/>
-          </a:xfrm>
-          <a:prstGeom prst="rect">
-            <a:avLst/>
-          </a:prstGeom>
-        </p:spPr>
-      </p:pic>
-      <p:pic>
-        <p:nvPicPr>
-          <p:cNvPr descr="" id="134" name=""/>
+          <p:cNvPr descr="" id="146" name=""/>
           <p:cNvPicPr/>
           <p:nvPr/>
         </p:nvPicPr>
@@ -4604,8 +5086,8 @@
         </p:blipFill>
         <p:spPr>
           <a:xfrm>
-            <a:off x="3012480" y="4845600"/>
-            <a:ext cx="685440" cy="685440"/>
+            <a:off x="2990160" y="831960"/>
+            <a:ext cx="1234440" cy="768240"/>
           </a:xfrm>
           <a:prstGeom prst="rect">
             <a:avLst/>
@@ -4614,7 +5096,7 @@
       </p:pic>
       <p:pic>
         <p:nvPicPr>
-          <p:cNvPr descr="" id="135" name=""/>
+          <p:cNvPr descr="" id="147" name=""/>
           <p:cNvPicPr/>
           <p:nvPr/>
         </p:nvPicPr>
@@ -4626,8 +5108,8 @@
         </p:blipFill>
         <p:spPr>
           <a:xfrm>
-            <a:off x="3687840" y="4887000"/>
-            <a:ext cx="566640" cy="603000"/>
+            <a:off x="4297680" y="831960"/>
+            <a:ext cx="1234440" cy="768240"/>
           </a:xfrm>
           <a:prstGeom prst="rect">
             <a:avLst/>
@@ -4636,7 +5118,7 @@
       </p:pic>
       <p:pic>
         <p:nvPicPr>
-          <p:cNvPr descr="" id="136" name=""/>
+          <p:cNvPr descr="" id="148" name=""/>
           <p:cNvPicPr/>
           <p:nvPr/>
         </p:nvPicPr>
@@ -4648,8 +5130,8 @@
         </p:blipFill>
         <p:spPr>
           <a:xfrm>
-            <a:off x="4197240" y="4831200"/>
-            <a:ext cx="685440" cy="731160"/>
+            <a:off x="2990160" y="1792080"/>
+            <a:ext cx="1234440" cy="612720"/>
           </a:xfrm>
           <a:prstGeom prst="rect">
             <a:avLst/>
@@ -4658,7 +5140,7 @@
       </p:pic>
       <p:pic>
         <p:nvPicPr>
-          <p:cNvPr descr="" id="137" name=""/>
+          <p:cNvPr descr="" id="149" name=""/>
           <p:cNvPicPr/>
           <p:nvPr/>
         </p:nvPicPr>
@@ -4670,119 +5152,17 @@
         </p:blipFill>
         <p:spPr>
           <a:xfrm>
-            <a:off x="4854240" y="4875120"/>
-            <a:ext cx="633240" cy="677520"/>
+            <a:off x="4297680" y="1792080"/>
+            <a:ext cx="1234440" cy="612720"/>
           </a:xfrm>
           <a:prstGeom prst="rect">
             <a:avLst/>
           </a:prstGeom>
         </p:spPr>
       </p:pic>
-      <p:sp>
-        <p:nvSpPr>
-          <p:cNvPr id="138" name="TextShape 26"/>
-          <p:cNvSpPr txBox="1"/>
-          <p:nvPr/>
-        </p:nvSpPr>
-        <p:spPr>
-          <a:xfrm>
-            <a:off x="2834640" y="5615280"/>
-            <a:ext cx="2744640" cy="1082160"/>
-          </a:xfrm>
-          <a:prstGeom prst="rect">
-            <a:avLst/>
-          </a:prstGeom>
-        </p:spPr>
-        <p:txBody>
-          <a:bodyPr bIns="45000" lIns="90000" rIns="90000" tIns="45000" wrap="none"/>
-          <a:p>
-            <a:pPr algn="ctr"/>
-            <a:r>
-              <a:rPr b="1" lang="en-US" sz="1300">
-                <a:solidFill>
-                  <a:srgbClr val="99284c"/>
-                </a:solidFill>
-              </a:rPr>
-              <a:t>Energy Functionals</a:t>
-            </a:r>
-            <a:endParaRPr/>
-          </a:p>
-          <a:p>
-            <a:endParaRPr/>
-          </a:p>
-          <a:p>
-            <a:pPr>
-              <a:buSzPct val="45000"/>
-              <a:buFont typeface="StarSymbol"/>
-              <a:buChar char=""/>
-            </a:pPr>
-            <a:r>
-              <a:rPr b="1" lang="en-US" sz="700"/>
-              <a:t>Bending:</a:t>
-            </a:r>
-            <a:r>
-              <a:rPr lang="en-US" sz="700"/>
-              <a:t> Compute angle between two struts and take deviation from collinearity</a:t>
-            </a:r>
-            <a:endParaRPr/>
-          </a:p>
-          <a:p>
-            <a:pPr>
-              <a:buSzPct val="45000"/>
-              <a:buFont typeface="StarSymbol"/>
-              <a:buChar char=""/>
-            </a:pPr>
-            <a:r>
-              <a:rPr b="1" lang="en-US" sz="700"/>
-              <a:t>Twisting:</a:t>
-            </a:r>
-            <a:r>
-              <a:rPr lang="en-US" sz="700"/>
-              <a:t> Using rotation minimizing frames,</a:t>
-            </a:r>
-            <a:endParaRPr/>
-          </a:p>
-          <a:p>
-            <a:pPr lvl="1">
-              <a:buSzPct val="45000"/>
-              <a:buFont typeface="StarSymbol"/>
-              <a:buChar char=""/>
-            </a:pPr>
-            <a:r>
-              <a:rPr lang="en-US" sz="700"/>
-              <a:t>Closed Curves: compare beginning and end orientations</a:t>
-            </a:r>
-            <a:endParaRPr/>
-          </a:p>
-          <a:p>
-            <a:pPr lvl="1">
-              <a:buSzPct val="45000"/>
-              <a:buFont typeface="StarSymbol"/>
-              <a:buChar char=""/>
-            </a:pPr>
-            <a:r>
-              <a:rPr lang="en-US" sz="700"/>
-              <a:t>Non-closed curves: forward project normal vectors and compare to a priori expected ending orientation</a:t>
-            </a:r>
-            <a:endParaRPr/>
-          </a:p>
-          <a:p>
-            <a:pPr>
-              <a:buSzPct val="45000"/>
-              <a:buFont typeface="StarSymbol"/>
-              <a:buChar char=""/>
-            </a:pPr>
-            <a:r>
-              <a:rPr lang="en-US" sz="700"/>
-              <a:t>Can weigh these parts to trade-off between them</a:t>
-            </a:r>
-            <a:endParaRPr/>
-          </a:p>
-        </p:txBody>
-      </p:sp>
       <p:pic>
         <p:nvPicPr>
-          <p:cNvPr descr="" id="139" name=""/>
+          <p:cNvPr descr="" id="150" name=""/>
           <p:cNvPicPr/>
           <p:nvPr/>
         </p:nvPicPr>
@@ -4794,306 +5174,14 @@
         </p:blipFill>
         <p:spPr>
           <a:xfrm>
-            <a:off x="6451560" y="5448600"/>
-            <a:ext cx="2286000" cy="777240"/>
+            <a:off x="4142160" y="2734200"/>
+            <a:ext cx="1234440" cy="612720"/>
           </a:xfrm>
           <a:prstGeom prst="rect">
             <a:avLst/>
           </a:prstGeom>
         </p:spPr>
       </p:pic>
-      <p:sp>
-        <p:nvSpPr>
-          <p:cNvPr id="140" name="TextShape 27"/>
-          <p:cNvSpPr txBox="1"/>
-          <p:nvPr/>
-        </p:nvSpPr>
-        <p:spPr>
-          <a:xfrm>
-            <a:off x="6337440" y="6171480"/>
-            <a:ext cx="868680" cy="433080"/>
-          </a:xfrm>
-          <a:prstGeom prst="rect">
-            <a:avLst/>
-          </a:prstGeom>
-        </p:spPr>
-        <p:txBody>
-          <a:bodyPr bIns="45000" lIns="90000" rIns="90000" tIns="45000" wrap="none"/>
-          <a:p>
-            <a:r>
-              <a:rPr lang="en-US" sz="600"/>
-              <a:t>Bending calculated as deviation of adjacent patches from co-planarity</a:t>
-            </a:r>
-            <a:endParaRPr/>
-          </a:p>
-        </p:txBody>
-      </p:sp>
-      <p:sp>
-        <p:nvSpPr>
-          <p:cNvPr id="141" name="TextShape 28"/>
-          <p:cNvSpPr txBox="1"/>
-          <p:nvPr/>
-        </p:nvSpPr>
-        <p:spPr>
-          <a:xfrm>
-            <a:off x="8065800" y="6171840"/>
-            <a:ext cx="868680" cy="433080"/>
-          </a:xfrm>
-          <a:prstGeom prst="rect">
-            <a:avLst/>
-          </a:prstGeom>
-        </p:spPr>
-        <p:txBody>
-          <a:bodyPr bIns="45000" lIns="90000" rIns="90000" tIns="45000" wrap="none"/>
-          <a:p>
-            <a:r>
-              <a:rPr lang="en-US" sz="600"/>
-              <a:t>Twisting calculated based on deviation of edges from right angles.</a:t>
-            </a:r>
-            <a:endParaRPr/>
-          </a:p>
-        </p:txBody>
-      </p:sp>
-      <p:sp>
-        <p:nvSpPr>
-          <p:cNvPr id="142" name="TextShape 29"/>
-          <p:cNvSpPr txBox="1"/>
-          <p:nvPr/>
-        </p:nvSpPr>
-        <p:spPr>
-          <a:xfrm>
-            <a:off x="7183080" y="6439680"/>
-            <a:ext cx="891720" cy="261720"/>
-          </a:xfrm>
-          <a:prstGeom prst="rect">
-            <a:avLst/>
-          </a:prstGeom>
-        </p:spPr>
-        <p:txBody>
-          <a:bodyPr bIns="45000" lIns="90000" rIns="90000" tIns="45000" wrap="none"/>
-          <a:p>
-            <a:r>
-              <a:rPr lang="en-US" sz="600"/>
-              <a:t>Integrate these over entire surface area</a:t>
-            </a:r>
-            <a:endParaRPr/>
-          </a:p>
-        </p:txBody>
-      </p:sp>
-      <p:sp>
-        <p:nvSpPr>
-          <p:cNvPr id="143" name="Line 30"/>
-          <p:cNvSpPr/>
-          <p:nvPr/>
-        </p:nvSpPr>
-        <p:spPr>
-          <a:xfrm flipH="1" flipV="1">
-            <a:off x="7114680" y="6335640"/>
-            <a:ext cx="137160" cy="137160"/>
-          </a:xfrm>
-          <a:prstGeom prst="line">
-            <a:avLst/>
-          </a:prstGeom>
-          <a:ln w="9000">
-            <a:solidFill>
-              <a:srgbClr val="000000"/>
-            </a:solidFill>
-            <a:round/>
-            <a:tailEnd len="med" type="triangle" w="med"/>
-          </a:ln>
-        </p:spPr>
-      </p:sp>
-      <p:sp>
-        <p:nvSpPr>
-          <p:cNvPr id="144" name="Line 31"/>
-          <p:cNvSpPr/>
-          <p:nvPr/>
-        </p:nvSpPr>
-        <p:spPr>
-          <a:xfrm flipV="1">
-            <a:off x="8006040" y="6312600"/>
-            <a:ext cx="114480" cy="127080"/>
-          </a:xfrm>
-          <a:prstGeom prst="line">
-            <a:avLst/>
-          </a:prstGeom>
-          <a:ln w="9000">
-            <a:solidFill>
-              <a:srgbClr val="000000"/>
-            </a:solidFill>
-            <a:round/>
-            <a:tailEnd len="med" type="triangle" w="med"/>
-          </a:ln>
-        </p:spPr>
-      </p:sp>
-      <p:sp>
-        <p:nvSpPr>
-          <p:cNvPr id="145" name="TextShape 32"/>
-          <p:cNvSpPr txBox="1"/>
-          <p:nvPr/>
-        </p:nvSpPr>
-        <p:spPr>
-          <a:xfrm>
-            <a:off x="3040200" y="4559040"/>
-            <a:ext cx="2539080" cy="261720"/>
-          </a:xfrm>
-          <a:prstGeom prst="rect">
-            <a:avLst/>
-          </a:prstGeom>
-        </p:spPr>
-        <p:txBody>
-          <a:bodyPr bIns="45000" lIns="90000" rIns="90000" tIns="45000" wrap="none"/>
-          <a:p>
-            <a:r>
-              <a:rPr lang="en-US" sz="600"/>
-              <a:t>A highly twisted and bent curve unfolds into a circle with no twist, using gradient descent.</a:t>
-            </a:r>
-            <a:endParaRPr/>
-          </a:p>
-        </p:txBody>
-      </p:sp>
-      <p:sp>
-        <p:nvSpPr>
-          <p:cNvPr id="146" name="TextShape 33"/>
-          <p:cNvSpPr txBox="1"/>
-          <p:nvPr/>
-        </p:nvSpPr>
-        <p:spPr>
-          <a:xfrm>
-            <a:off x="5829120" y="179280"/>
-            <a:ext cx="3520440" cy="274680"/>
-          </a:xfrm>
-          <a:prstGeom prst="rect">
-            <a:avLst/>
-          </a:prstGeom>
-        </p:spPr>
-        <p:txBody>
-          <a:bodyPr bIns="45000" lIns="90000" rIns="90000" tIns="45000" wrap="none"/>
-          <a:p>
-            <a:pPr algn="ctr"/>
-            <a:r>
-              <a:rPr b="1" lang="en-US" sz="1300">
-                <a:solidFill>
-                  <a:srgbClr val="314004"/>
-                </a:solidFill>
-              </a:rPr>
-              <a:t>Optimizing the Eversion Process</a:t>
-            </a:r>
-            <a:endParaRPr/>
-          </a:p>
-        </p:txBody>
-      </p:sp>
-      <p:sp>
-        <p:nvSpPr>
-          <p:cNvPr id="147" name="TextShape 34"/>
-          <p:cNvSpPr txBox="1"/>
-          <p:nvPr/>
-        </p:nvSpPr>
-        <p:spPr>
-          <a:xfrm>
-            <a:off x="137160" y="1756800"/>
-            <a:ext cx="2606040" cy="1458720"/>
-          </a:xfrm>
-          <a:prstGeom prst="rect">
-            <a:avLst/>
-          </a:prstGeom>
-        </p:spPr>
-        <p:txBody>
-          <a:bodyPr bIns="45000" lIns="90000" rIns="90000" tIns="45000" wrap="none"/>
-          <a:p>
-            <a:pPr algn="ctr"/>
-            <a:r>
-              <a:rPr b="1" lang="en-US" sz="1300">
-                <a:solidFill>
-                  <a:srgbClr val="000080"/>
-                </a:solidFill>
-              </a:rPr>
-              <a:t>Smooth Transformations</a:t>
-            </a:r>
-            <a:endParaRPr/>
-          </a:p>
-          <a:p>
-            <a:pPr>
-              <a:buSzPct val="45000"/>
-              <a:buFont typeface="StarSymbol"/>
-              <a:buChar char=""/>
-            </a:pPr>
-            <a:endParaRPr/>
-          </a:p>
-          <a:p>
-            <a:pPr>
-              <a:buSzPct val="45000"/>
-              <a:buFont typeface="StarSymbol"/>
-              <a:buChar char=""/>
-            </a:pPr>
-            <a:r>
-              <a:rPr lang="en-US" sz="800">
-                <a:solidFill>
-                  <a:srgbClr val="000000"/>
-                </a:solidFill>
-              </a:rPr>
-              <a:t>Homotopy:smooth transformation from one surface to another without introducing sharp creases or tears</a:t>
-            </a:r>
-            <a:endParaRPr/>
-          </a:p>
-          <a:p>
-            <a:pPr>
-              <a:buSzPct val="45000"/>
-              <a:buFont typeface="StarSymbol"/>
-              <a:buChar char=""/>
-            </a:pPr>
-            <a:r>
-              <a:rPr lang="en-US" sz="800">
-                <a:solidFill>
-                  <a:srgbClr val="000000"/>
-                </a:solidFill>
-              </a:rPr>
-              <a:t>Want to visualize such transformations without specifying intermediate states</a:t>
-            </a:r>
-            <a:endParaRPr/>
-          </a:p>
-          <a:p>
-            <a:pPr>
-              <a:buSzPct val="45000"/>
-              <a:buFont typeface="StarSymbol"/>
-              <a:buChar char=""/>
-            </a:pPr>
-            <a:endParaRPr/>
-          </a:p>
-          <a:p>
-            <a:pPr>
-              <a:buSzPct val="45000"/>
-              <a:buFont typeface="StarSymbol"/>
-              <a:buChar char=""/>
-            </a:pPr>
-            <a:r>
-              <a:rPr lang="en-US" sz="800">
-                <a:solidFill>
-                  <a:srgbClr val="000000"/>
-                </a:solidFill>
-              </a:rPr>
-              <a:t>Everting a torus is a homotopy</a:t>
-            </a:r>
-            <a:endParaRPr/>
-          </a:p>
-          <a:p>
-            <a:pPr>
-              <a:buSzPct val="45000"/>
-              <a:buFont typeface="StarSymbol"/>
-              <a:buChar char=""/>
-            </a:pPr>
-            <a:r>
-              <a:rPr b="1" lang="en-US" sz="800">
-                <a:solidFill>
-                  <a:srgbClr val="000000"/>
-                </a:solidFill>
-              </a:rPr>
-              <a:t>Want to visualize eversion process proceeding spontaneously from some halfway point</a:t>
-            </a:r>
-            <a:endParaRPr/>
-          </a:p>
-        </p:txBody>
-      </p:sp>
     </p:spTree>
   </p:cSld>
   <p:timing>
